--- a/slideshow/Apocalipsis/5. Capitulo 5.pptx
+++ b/slideshow/Apocalipsis/5. Capitulo 5.pptx
@@ -15040,50 +15040,6 @@
                 <a:cs typeface="Nimbus Sans"/>
               </a:rPr>
               <a:t>Apocalípsis </a:t>
-            </a:r>
-            <a:r>
-              <a:rPr lang="es-ES" sz="5400" b="1" i="0" u="none" strike="noStrike" cap="none" spc="0">
-                <a:solidFill>
-                  <a:srgbClr val="FFFFFF"/>
-                </a:solidFill>
-                <a:latin typeface="Nimbus Sans"/>
-                <a:ea typeface="Nimbus Sans"/>
-                <a:cs typeface="Nimbus Sans"/>
-              </a:rPr>
-              <a:t>5:1</a:t>
-            </a:r>
-            <a:r>
-              <a:rPr lang="es-ES" sz="5400" b="1" i="0" u="none" strike="noStrike" cap="none" spc="0">
-                <a:solidFill>
-                  <a:srgbClr val="FFFFFF"/>
-                </a:solidFill>
-                <a:latin typeface="Nimbus Sans"/>
-                <a:ea typeface="Nimbus Sans"/>
-                <a:cs typeface="Nimbus Sans"/>
-              </a:rPr>
-              <a:t>Apocalípsis </a:t>
-            </a:r>
-            <a:r>
-              <a:rPr lang="es-ES" sz="2800" b="1" i="1" u="none" strike="noStrike" cap="none" spc="0">
-                <a:solidFill>
-                  <a:srgbClr val="FFA85C"/>
-                </a:solidFill>
-                <a:latin typeface="Nimbus Sans"/>
-                <a:ea typeface="Nimbus Sans"/>
-                <a:cs typeface="Nimbus Sans"/>
-              </a:rPr>
-              <a:t>libro</a:t>
-            </a:r>
-            <a:r>
-              <a:rPr lang="es-ES" sz="2800" b="0" i="1" u="none" strike="noStrike" cap="none" spc="0">
-                <a:solidFill>
-                  <a:srgbClr val="FF82AA"/>
-                </a:solidFill>
-                <a:latin typeface="Nimbus Sans"/>
-                <a:ea typeface="Nimbus Sans"/>
-                <a:cs typeface="Nimbus Sans"/>
-              </a:rPr>
-              <a:t> </a:t>
             </a:r>
             <a:r>
               <a:rPr lang="es-ES" sz="5400" b="1" i="0" u="none" strike="noStrike" cap="none" spc="0">

--- a/slideshow/Apocalipsis/5. Capitulo 5.pptx
+++ b/slideshow/Apocalipsis/5. Capitulo 5.pptx
@@ -6,7 +6,7 @@
     <p:sldMasterId id="2147483661" r:id="rId2"/>
   </p:sldMasterIdLst>
   <p:notesMasterIdLst>
-    <p:notesMasterId r:id="rId36"/>
+    <p:notesMasterId r:id="rId37"/>
   </p:notesMasterIdLst>
   <p:sldIdLst>
     <p:sldId id="256" r:id="rId6"/>
@@ -39,6 +39,7 @@
     <p:sldId id="283" r:id="rId33"/>
     <p:sldId id="284" r:id="rId34"/>
     <p:sldId id="285" r:id="rId35"/>
+    <p:sldId id="286" r:id="rId36"/>
   </p:sldIdLst>
   <p:sldSz cx="10077450" cy="5668963"/>
   <p:notesSz cx="7772400" cy="10058400"/>
@@ -553,7 +554,7 @@
       </p:grpSpPr>
       <p:sp>
         <p:nvSpPr>
-          <p:cNvPr id="1390478183" name="Slide Image Placeholder 1"/>
+          <p:cNvPr id="2128317986" name="Slide Image Placeholder 1"/>
           <p:cNvSpPr>
             <a:spLocks noChangeAspect="1" noGrp="1" noRot="1"/>
           </p:cNvSpPr>
@@ -565,7 +566,7 @@
       </p:sp>
       <p:sp>
         <p:nvSpPr>
-          <p:cNvPr id="1194792989" name="Notes Placeholder 2"/>
+          <p:cNvPr id="1320864971" name="Notes Placeholder 2"/>
           <p:cNvSpPr>
             <a:spLocks noGrp="1"/>
           </p:cNvSpPr>
@@ -587,7 +588,7 @@
       </p:sp>
       <p:sp>
         <p:nvSpPr>
-          <p:cNvPr id="346639619" name="Slide Number Placeholder 3"/>
+          <p:cNvPr id="1672188303" name="Slide Number Placeholder 3"/>
           <p:cNvSpPr>
             <a:spLocks noGrp="1"/>
           </p:cNvSpPr>
@@ -603,7 +604,7 @@
             <a:pPr>
               <a:defRPr/>
             </a:pPr>
-            <a:fld id="{84142588-677C-E9F5-9FEA-877106E9C659}" type="slidenum">
+            <a:fld id="{9A7C1F09-09E1-F385-3B1D-FBFFD731EFCA}" type="slidenum">
               <a:rPr/>
               <a:t/>
             </a:fld>
@@ -635,7 +636,7 @@
       </p:grpSpPr>
       <p:sp>
         <p:nvSpPr>
-          <p:cNvPr id="1387124646" name="Slide Image Placeholder 1"/>
+          <p:cNvPr id="949019235" name="Slide Image Placeholder 1"/>
           <p:cNvSpPr>
             <a:spLocks noChangeAspect="1" noGrp="1" noRot="1"/>
           </p:cNvSpPr>
@@ -647,7 +648,7 @@
       </p:sp>
       <p:sp>
         <p:nvSpPr>
-          <p:cNvPr id="399425326" name="Notes Placeholder 2"/>
+          <p:cNvPr id="1743498980" name="Notes Placeholder 2"/>
           <p:cNvSpPr>
             <a:spLocks noGrp="1"/>
           </p:cNvSpPr>
@@ -669,7 +670,7 @@
       </p:sp>
       <p:sp>
         <p:nvSpPr>
-          <p:cNvPr id="1395634435" name="Slide Number Placeholder 3"/>
+          <p:cNvPr id="409502848" name="Slide Number Placeholder 3"/>
           <p:cNvSpPr>
             <a:spLocks noGrp="1"/>
           </p:cNvSpPr>
@@ -685,7 +686,7 @@
             <a:pPr>
               <a:defRPr/>
             </a:pPr>
-            <a:fld id="{41F6B488-6058-FDBA-3B32-FA18416A1D82}" type="slidenum">
+            <a:fld id="{04E332DB-B91E-10E9-D5FD-594C6097EB72}" type="slidenum">
               <a:rPr/>
               <a:t/>
             </a:fld>
@@ -717,7 +718,7 @@
       </p:grpSpPr>
       <p:sp>
         <p:nvSpPr>
-          <p:cNvPr id="1694997989" name="Slide Image Placeholder 1"/>
+          <p:cNvPr id="1387124646" name="Slide Image Placeholder 1"/>
           <p:cNvSpPr>
             <a:spLocks noChangeAspect="1" noGrp="1" noRot="1"/>
           </p:cNvSpPr>
@@ -729,7 +730,7 @@
       </p:sp>
       <p:sp>
         <p:nvSpPr>
-          <p:cNvPr id="2105301698" name="Notes Placeholder 2"/>
+          <p:cNvPr id="399425326" name="Notes Placeholder 2"/>
           <p:cNvSpPr>
             <a:spLocks noGrp="1"/>
           </p:cNvSpPr>
@@ -751,7 +752,7 @@
       </p:sp>
       <p:sp>
         <p:nvSpPr>
-          <p:cNvPr id="1220050647" name="Slide Number Placeholder 3"/>
+          <p:cNvPr id="1395634435" name="Slide Number Placeholder 3"/>
           <p:cNvSpPr>
             <a:spLocks noGrp="1"/>
           </p:cNvSpPr>
@@ -767,7 +768,7 @@
             <a:pPr>
               <a:defRPr/>
             </a:pPr>
-            <a:fld id="{6961FE81-CC6A-B3D9-337D-A1C8F6BF1C6B}" type="slidenum">
+            <a:fld id="{41F6B488-6058-FDBA-3B32-FA18416A1D82}" type="slidenum">
               <a:rPr/>
               <a:t/>
             </a:fld>
@@ -799,7 +800,7 @@
       </p:grpSpPr>
       <p:sp>
         <p:nvSpPr>
-          <p:cNvPr id="922344570" name="Slide Image Placeholder 1"/>
+          <p:cNvPr id="1694997989" name="Slide Image Placeholder 1"/>
           <p:cNvSpPr>
             <a:spLocks noChangeAspect="1" noGrp="1" noRot="1"/>
           </p:cNvSpPr>
@@ -811,7 +812,7 @@
       </p:sp>
       <p:sp>
         <p:nvSpPr>
-          <p:cNvPr id="239413617" name="Notes Placeholder 2"/>
+          <p:cNvPr id="2105301698" name="Notes Placeholder 2"/>
           <p:cNvSpPr>
             <a:spLocks noGrp="1"/>
           </p:cNvSpPr>
@@ -833,7 +834,7 @@
       </p:sp>
       <p:sp>
         <p:nvSpPr>
-          <p:cNvPr id="1088548766" name="Slide Number Placeholder 3"/>
+          <p:cNvPr id="1220050647" name="Slide Number Placeholder 3"/>
           <p:cNvSpPr>
             <a:spLocks noGrp="1"/>
           </p:cNvSpPr>
@@ -849,7 +850,7 @@
             <a:pPr>
               <a:defRPr/>
             </a:pPr>
-            <a:fld id="{EFF019CE-756F-A346-B825-345B87074572}" type="slidenum">
+            <a:fld id="{6961FE81-CC6A-B3D9-337D-A1C8F6BF1C6B}" type="slidenum">
               <a:rPr/>
               <a:t/>
             </a:fld>
@@ -881,7 +882,7 @@
       </p:grpSpPr>
       <p:sp>
         <p:nvSpPr>
-          <p:cNvPr id="466121527" name="Slide Image Placeholder 1"/>
+          <p:cNvPr id="922344570" name="Slide Image Placeholder 1"/>
           <p:cNvSpPr>
             <a:spLocks noChangeAspect="1" noGrp="1" noRot="1"/>
           </p:cNvSpPr>
@@ -893,7 +894,7 @@
       </p:sp>
       <p:sp>
         <p:nvSpPr>
-          <p:cNvPr id="715255439" name="Notes Placeholder 2"/>
+          <p:cNvPr id="239413617" name="Notes Placeholder 2"/>
           <p:cNvSpPr>
             <a:spLocks noGrp="1"/>
           </p:cNvSpPr>
@@ -915,7 +916,7 @@
       </p:sp>
       <p:sp>
         <p:nvSpPr>
-          <p:cNvPr id="348674067" name="Slide Number Placeholder 3"/>
+          <p:cNvPr id="1088548766" name="Slide Number Placeholder 3"/>
           <p:cNvSpPr>
             <a:spLocks noGrp="1"/>
           </p:cNvSpPr>
@@ -931,7 +932,7 @@
             <a:pPr>
               <a:defRPr/>
             </a:pPr>
-            <a:fld id="{AC161A73-3354-4270-0F22-55A17B0D9FB7}" type="slidenum">
+            <a:fld id="{EFF019CE-756F-A346-B825-345B87074572}" type="slidenum">
               <a:rPr/>
               <a:t/>
             </a:fld>
@@ -963,7 +964,7 @@
       </p:grpSpPr>
       <p:sp>
         <p:nvSpPr>
-          <p:cNvPr id="569015105" name="Slide Image Placeholder 1"/>
+          <p:cNvPr id="466121527" name="Slide Image Placeholder 1"/>
           <p:cNvSpPr>
             <a:spLocks noChangeAspect="1" noGrp="1" noRot="1"/>
           </p:cNvSpPr>
@@ -975,7 +976,7 @@
       </p:sp>
       <p:sp>
         <p:nvSpPr>
-          <p:cNvPr id="290599589" name="Notes Placeholder 2"/>
+          <p:cNvPr id="715255439" name="Notes Placeholder 2"/>
           <p:cNvSpPr>
             <a:spLocks noGrp="1"/>
           </p:cNvSpPr>
@@ -997,7 +998,7 @@
       </p:sp>
       <p:sp>
         <p:nvSpPr>
-          <p:cNvPr id="1479308908" name="Slide Number Placeholder 3"/>
+          <p:cNvPr id="348674067" name="Slide Number Placeholder 3"/>
           <p:cNvSpPr>
             <a:spLocks noGrp="1"/>
           </p:cNvSpPr>
@@ -1013,7 +1014,7 @@
             <a:pPr>
               <a:defRPr/>
             </a:pPr>
-            <a:fld id="{46177DF8-AA41-0B99-226D-035DEC5AA740}" type="slidenum">
+            <a:fld id="{AC161A73-3354-4270-0F22-55A17B0D9FB7}" type="slidenum">
               <a:rPr/>
               <a:t/>
             </a:fld>
@@ -1045,7 +1046,7 @@
       </p:grpSpPr>
       <p:sp>
         <p:nvSpPr>
-          <p:cNvPr id="1365307810" name="Slide Image Placeholder 1"/>
+          <p:cNvPr id="569015105" name="Slide Image Placeholder 1"/>
           <p:cNvSpPr>
             <a:spLocks noChangeAspect="1" noGrp="1" noRot="1"/>
           </p:cNvSpPr>
@@ -1057,7 +1058,7 @@
       </p:sp>
       <p:sp>
         <p:nvSpPr>
-          <p:cNvPr id="186315153" name="Notes Placeholder 2"/>
+          <p:cNvPr id="290599589" name="Notes Placeholder 2"/>
           <p:cNvSpPr>
             <a:spLocks noGrp="1"/>
           </p:cNvSpPr>
@@ -1079,7 +1080,7 @@
       </p:sp>
       <p:sp>
         <p:nvSpPr>
-          <p:cNvPr id="1274993551" name="Slide Number Placeholder 3"/>
+          <p:cNvPr id="1479308908" name="Slide Number Placeholder 3"/>
           <p:cNvSpPr>
             <a:spLocks noGrp="1"/>
           </p:cNvSpPr>
@@ -1095,7 +1096,7 @@
             <a:pPr>
               <a:defRPr/>
             </a:pPr>
-            <a:fld id="{63701556-E083-F1F4-9AE1-D1E48642F49B}" type="slidenum">
+            <a:fld id="{46177DF8-AA41-0B99-226D-035DEC5AA740}" type="slidenum">
               <a:rPr/>
               <a:t/>
             </a:fld>
@@ -1127,7 +1128,7 @@
       </p:grpSpPr>
       <p:sp>
         <p:nvSpPr>
-          <p:cNvPr id="652449144" name="Slide Image Placeholder 1"/>
+          <p:cNvPr id="1365307810" name="Slide Image Placeholder 1"/>
           <p:cNvSpPr>
             <a:spLocks noChangeAspect="1" noGrp="1" noRot="1"/>
           </p:cNvSpPr>
@@ -1139,7 +1140,7 @@
       </p:sp>
       <p:sp>
         <p:nvSpPr>
-          <p:cNvPr id="2136397763" name="Notes Placeholder 2"/>
+          <p:cNvPr id="186315153" name="Notes Placeholder 2"/>
           <p:cNvSpPr>
             <a:spLocks noGrp="1"/>
           </p:cNvSpPr>
@@ -1161,7 +1162,7 @@
       </p:sp>
       <p:sp>
         <p:nvSpPr>
-          <p:cNvPr id="1828850133" name="Slide Number Placeholder 3"/>
+          <p:cNvPr id="1274993551" name="Slide Number Placeholder 3"/>
           <p:cNvSpPr>
             <a:spLocks noGrp="1"/>
           </p:cNvSpPr>
@@ -1177,7 +1178,7 @@
             <a:pPr>
               <a:defRPr/>
             </a:pPr>
-            <a:fld id="{C35D4A07-1FE7-49FA-41C5-491142F050CE}" type="slidenum">
+            <a:fld id="{63701556-E083-F1F4-9AE1-D1E48642F49B}" type="slidenum">
               <a:rPr/>
               <a:t/>
             </a:fld>
@@ -1209,7 +1210,7 @@
       </p:grpSpPr>
       <p:sp>
         <p:nvSpPr>
-          <p:cNvPr id="494574065" name="Slide Image Placeholder 1"/>
+          <p:cNvPr id="652449144" name="Slide Image Placeholder 1"/>
           <p:cNvSpPr>
             <a:spLocks noChangeAspect="1" noGrp="1" noRot="1"/>
           </p:cNvSpPr>
@@ -1221,7 +1222,7 @@
       </p:sp>
       <p:sp>
         <p:nvSpPr>
-          <p:cNvPr id="2116098477" name="Notes Placeholder 2"/>
+          <p:cNvPr id="2136397763" name="Notes Placeholder 2"/>
           <p:cNvSpPr>
             <a:spLocks noGrp="1"/>
           </p:cNvSpPr>
@@ -1243,7 +1244,7 @@
       </p:sp>
       <p:sp>
         <p:nvSpPr>
-          <p:cNvPr id="1195074408" name="Slide Number Placeholder 3"/>
+          <p:cNvPr id="1828850133" name="Slide Number Placeholder 3"/>
           <p:cNvSpPr>
             <a:spLocks noGrp="1"/>
           </p:cNvSpPr>
@@ -1259,7 +1260,7 @@
             <a:pPr>
               <a:defRPr/>
             </a:pPr>
-            <a:fld id="{639C23E4-7F37-6B8F-FDB8-98D767E55620}" type="slidenum">
+            <a:fld id="{C35D4A07-1FE7-49FA-41C5-491142F050CE}" type="slidenum">
               <a:rPr/>
               <a:t/>
             </a:fld>
@@ -1373,7 +1374,7 @@
       </p:grpSpPr>
       <p:sp>
         <p:nvSpPr>
-          <p:cNvPr id="244094215" name="Slide Image Placeholder 1"/>
+          <p:cNvPr id="494574065" name="Slide Image Placeholder 1"/>
           <p:cNvSpPr>
             <a:spLocks noChangeAspect="1" noGrp="1" noRot="1"/>
           </p:cNvSpPr>
@@ -1385,7 +1386,7 @@
       </p:sp>
       <p:sp>
         <p:nvSpPr>
-          <p:cNvPr id="152601684" name="Notes Placeholder 2"/>
+          <p:cNvPr id="2116098477" name="Notes Placeholder 2"/>
           <p:cNvSpPr>
             <a:spLocks noGrp="1"/>
           </p:cNvSpPr>
@@ -1407,7 +1408,7 @@
       </p:sp>
       <p:sp>
         <p:nvSpPr>
-          <p:cNvPr id="1371782314" name="Slide Number Placeholder 3"/>
+          <p:cNvPr id="1195074408" name="Slide Number Placeholder 3"/>
           <p:cNvSpPr>
             <a:spLocks noGrp="1"/>
           </p:cNvSpPr>
@@ -1423,7 +1424,7 @@
             <a:pPr>
               <a:defRPr/>
             </a:pPr>
-            <a:fld id="{077CCA45-B49C-0314-2017-F52C00FAD190}" type="slidenum">
+            <a:fld id="{639C23E4-7F37-6B8F-FDB8-98D767E55620}" type="slidenum">
               <a:rPr/>
               <a:t/>
             </a:fld>
@@ -1455,7 +1456,7 @@
       </p:grpSpPr>
       <p:sp>
         <p:nvSpPr>
-          <p:cNvPr id="374154488" name="Slide Image Placeholder 1"/>
+          <p:cNvPr id="244094215" name="Slide Image Placeholder 1"/>
           <p:cNvSpPr>
             <a:spLocks noChangeAspect="1" noGrp="1" noRot="1"/>
           </p:cNvSpPr>
@@ -1467,7 +1468,7 @@
       </p:sp>
       <p:sp>
         <p:nvSpPr>
-          <p:cNvPr id="863887841" name="Notes Placeholder 2"/>
+          <p:cNvPr id="152601684" name="Notes Placeholder 2"/>
           <p:cNvSpPr>
             <a:spLocks noGrp="1"/>
           </p:cNvSpPr>
@@ -1489,7 +1490,7 @@
       </p:sp>
       <p:sp>
         <p:nvSpPr>
-          <p:cNvPr id="1218039666" name="Slide Number Placeholder 3"/>
+          <p:cNvPr id="1371782314" name="Slide Number Placeholder 3"/>
           <p:cNvSpPr>
             <a:spLocks noGrp="1"/>
           </p:cNvSpPr>
@@ -1505,7 +1506,7 @@
             <a:pPr>
               <a:defRPr/>
             </a:pPr>
-            <a:fld id="{6141E2E3-795E-3096-3F84-9E8E02FF63FE}" type="slidenum">
+            <a:fld id="{077CCA45-B49C-0314-2017-F52C00FAD190}" type="slidenum">
               <a:rPr/>
               <a:t/>
             </a:fld>
@@ -1537,7 +1538,7 @@
       </p:grpSpPr>
       <p:sp>
         <p:nvSpPr>
-          <p:cNvPr id="510978776" name="Slide Image Placeholder 1"/>
+          <p:cNvPr id="374154488" name="Slide Image Placeholder 1"/>
           <p:cNvSpPr>
             <a:spLocks noChangeAspect="1" noGrp="1" noRot="1"/>
           </p:cNvSpPr>
@@ -1549,7 +1550,7 @@
       </p:sp>
       <p:sp>
         <p:nvSpPr>
-          <p:cNvPr id="1434319310" name="Notes Placeholder 2"/>
+          <p:cNvPr id="863887841" name="Notes Placeholder 2"/>
           <p:cNvSpPr>
             <a:spLocks noGrp="1"/>
           </p:cNvSpPr>
@@ -1571,7 +1572,7 @@
       </p:sp>
       <p:sp>
         <p:nvSpPr>
-          <p:cNvPr id="465244674" name="Slide Number Placeholder 3"/>
+          <p:cNvPr id="1218039666" name="Slide Number Placeholder 3"/>
           <p:cNvSpPr>
             <a:spLocks noGrp="1"/>
           </p:cNvSpPr>
@@ -1587,7 +1588,7 @@
             <a:pPr>
               <a:defRPr/>
             </a:pPr>
-            <a:fld id="{AEB5C449-0B6A-9990-6521-6AA7A3017459}" type="slidenum">
+            <a:fld id="{6141E2E3-795E-3096-3F84-9E8E02FF63FE}" type="slidenum">
               <a:rPr/>
               <a:t/>
             </a:fld>
@@ -1619,7 +1620,7 @@
       </p:grpSpPr>
       <p:sp>
         <p:nvSpPr>
-          <p:cNvPr id="119856498" name="Slide Image Placeholder 1"/>
+          <p:cNvPr id="510978776" name="Slide Image Placeholder 1"/>
           <p:cNvSpPr>
             <a:spLocks noChangeAspect="1" noGrp="1" noRot="1"/>
           </p:cNvSpPr>
@@ -1631,7 +1632,7 @@
       </p:sp>
       <p:sp>
         <p:nvSpPr>
-          <p:cNvPr id="2102077293" name="Notes Placeholder 2"/>
+          <p:cNvPr id="1434319310" name="Notes Placeholder 2"/>
           <p:cNvSpPr>
             <a:spLocks noGrp="1"/>
           </p:cNvSpPr>
@@ -1653,7 +1654,7 @@
       </p:sp>
       <p:sp>
         <p:nvSpPr>
-          <p:cNvPr id="1814919197" name="Slide Number Placeholder 3"/>
+          <p:cNvPr id="465244674" name="Slide Number Placeholder 3"/>
           <p:cNvSpPr>
             <a:spLocks noGrp="1"/>
           </p:cNvSpPr>
@@ -1669,7 +1670,7 @@
             <a:pPr>
               <a:defRPr/>
             </a:pPr>
-            <a:fld id="{4269E27A-932B-393B-265C-D573994B0963}" type="slidenum">
+            <a:fld id="{AEB5C449-0B6A-9990-6521-6AA7A3017459}" type="slidenum">
               <a:rPr/>
               <a:t/>
             </a:fld>
@@ -1701,7 +1702,7 @@
       </p:grpSpPr>
       <p:sp>
         <p:nvSpPr>
-          <p:cNvPr id="1302923344" name="Slide Image Placeholder 1"/>
+          <p:cNvPr id="119856498" name="Slide Image Placeholder 1"/>
           <p:cNvSpPr>
             <a:spLocks noChangeAspect="1" noGrp="1" noRot="1"/>
           </p:cNvSpPr>
@@ -1713,7 +1714,7 @@
       </p:sp>
       <p:sp>
         <p:nvSpPr>
-          <p:cNvPr id="197618280" name="Notes Placeholder 2"/>
+          <p:cNvPr id="2102077293" name="Notes Placeholder 2"/>
           <p:cNvSpPr>
             <a:spLocks noGrp="1"/>
           </p:cNvSpPr>
@@ -1735,7 +1736,7 @@
       </p:sp>
       <p:sp>
         <p:nvSpPr>
-          <p:cNvPr id="654812508" name="Slide Number Placeholder 3"/>
+          <p:cNvPr id="1814919197" name="Slide Number Placeholder 3"/>
           <p:cNvSpPr>
             <a:spLocks noGrp="1"/>
           </p:cNvSpPr>
@@ -1751,7 +1752,7 @@
             <a:pPr>
               <a:defRPr/>
             </a:pPr>
-            <a:fld id="{30B90D6C-2A9C-869B-A3EC-D1F621C91332}" type="slidenum">
+            <a:fld id="{4269E27A-932B-393B-265C-D573994B0963}" type="slidenum">
               <a:rPr/>
               <a:t/>
             </a:fld>
@@ -1783,7 +1784,7 @@
       </p:grpSpPr>
       <p:sp>
         <p:nvSpPr>
-          <p:cNvPr id="1132020389" name="Slide Image Placeholder 1"/>
+          <p:cNvPr id="1302923344" name="Slide Image Placeholder 1"/>
           <p:cNvSpPr>
             <a:spLocks noChangeAspect="1" noGrp="1" noRot="1"/>
           </p:cNvSpPr>
@@ -1795,7 +1796,7 @@
       </p:sp>
       <p:sp>
         <p:nvSpPr>
-          <p:cNvPr id="909429915" name="Notes Placeholder 2"/>
+          <p:cNvPr id="197618280" name="Notes Placeholder 2"/>
           <p:cNvSpPr>
             <a:spLocks noGrp="1"/>
           </p:cNvSpPr>
@@ -1817,7 +1818,7 @@
       </p:sp>
       <p:sp>
         <p:nvSpPr>
-          <p:cNvPr id="1538976387" name="Slide Number Placeholder 3"/>
+          <p:cNvPr id="654812508" name="Slide Number Placeholder 3"/>
           <p:cNvSpPr>
             <a:spLocks noGrp="1"/>
           </p:cNvSpPr>
@@ -1833,7 +1834,7 @@
             <a:pPr>
               <a:defRPr/>
             </a:pPr>
-            <a:fld id="{B9466EF7-9222-FBA8-BF06-918A665DEDD2}" type="slidenum">
+            <a:fld id="{30B90D6C-2A9C-869B-A3EC-D1F621C91332}" type="slidenum">
               <a:rPr/>
               <a:t/>
             </a:fld>
@@ -1865,7 +1866,7 @@
       </p:grpSpPr>
       <p:sp>
         <p:nvSpPr>
-          <p:cNvPr id="1783381813" name="Slide Image Placeholder 1"/>
+          <p:cNvPr id="1132020389" name="Slide Image Placeholder 1"/>
           <p:cNvSpPr>
             <a:spLocks noChangeAspect="1" noGrp="1" noRot="1"/>
           </p:cNvSpPr>
@@ -1877,7 +1878,7 @@
       </p:sp>
       <p:sp>
         <p:nvSpPr>
-          <p:cNvPr id="1433837006" name="Notes Placeholder 2"/>
+          <p:cNvPr id="909429915" name="Notes Placeholder 2"/>
           <p:cNvSpPr>
             <a:spLocks noGrp="1"/>
           </p:cNvSpPr>
@@ -1899,7 +1900,7 @@
       </p:sp>
       <p:sp>
         <p:nvSpPr>
-          <p:cNvPr id="1514717573" name="Slide Number Placeholder 3"/>
+          <p:cNvPr id="1538976387" name="Slide Number Placeholder 3"/>
           <p:cNvSpPr>
             <a:spLocks noGrp="1"/>
           </p:cNvSpPr>
@@ -1915,7 +1916,7 @@
             <a:pPr>
               <a:defRPr/>
             </a:pPr>
-            <a:fld id="{A98EDA6D-6D58-048D-B2C5-D5BF428AA1CB}" type="slidenum">
+            <a:fld id="{B9466EF7-9222-FBA8-BF06-918A665DEDD2}" type="slidenum">
               <a:rPr/>
               <a:t/>
             </a:fld>
@@ -1947,7 +1948,7 @@
       </p:grpSpPr>
       <p:sp>
         <p:nvSpPr>
-          <p:cNvPr id="1756736352" name="Slide Image Placeholder 1"/>
+          <p:cNvPr id="1783381813" name="Slide Image Placeholder 1"/>
           <p:cNvSpPr>
             <a:spLocks noChangeAspect="1" noGrp="1" noRot="1"/>
           </p:cNvSpPr>
@@ -1959,7 +1960,7 @@
       </p:sp>
       <p:sp>
         <p:nvSpPr>
-          <p:cNvPr id="1308346273" name="Notes Placeholder 2"/>
+          <p:cNvPr id="1433837006" name="Notes Placeholder 2"/>
           <p:cNvSpPr>
             <a:spLocks noGrp="1"/>
           </p:cNvSpPr>
@@ -1981,7 +1982,7 @@
       </p:sp>
       <p:sp>
         <p:nvSpPr>
-          <p:cNvPr id="1223521426" name="Slide Number Placeholder 3"/>
+          <p:cNvPr id="1514717573" name="Slide Number Placeholder 3"/>
           <p:cNvSpPr>
             <a:spLocks noGrp="1"/>
           </p:cNvSpPr>
@@ -1997,7 +1998,7 @@
             <a:pPr>
               <a:defRPr/>
             </a:pPr>
-            <a:fld id="{B0FC3522-C8DB-0E82-5DC5-92D8998F22E0}" type="slidenum">
+            <a:fld id="{A98EDA6D-6D58-048D-B2C5-D5BF428AA1CB}" type="slidenum">
               <a:rPr/>
               <a:t/>
             </a:fld>
@@ -2029,7 +2030,7 @@
       </p:grpSpPr>
       <p:sp>
         <p:nvSpPr>
-          <p:cNvPr id="1018414693" name="Slide Image Placeholder 1"/>
+          <p:cNvPr id="1756736352" name="Slide Image Placeholder 1"/>
           <p:cNvSpPr>
             <a:spLocks noChangeAspect="1" noGrp="1" noRot="1"/>
           </p:cNvSpPr>
@@ -2041,7 +2042,7 @@
       </p:sp>
       <p:sp>
         <p:nvSpPr>
-          <p:cNvPr id="2140921532" name="Notes Placeholder 2"/>
+          <p:cNvPr id="1308346273" name="Notes Placeholder 2"/>
           <p:cNvSpPr>
             <a:spLocks noGrp="1"/>
           </p:cNvSpPr>
@@ -2063,7 +2064,7 @@
       </p:sp>
       <p:sp>
         <p:nvSpPr>
-          <p:cNvPr id="519676796" name="Slide Number Placeholder 3"/>
+          <p:cNvPr id="1223521426" name="Slide Number Placeholder 3"/>
           <p:cNvSpPr>
             <a:spLocks noGrp="1"/>
           </p:cNvSpPr>
@@ -2079,7 +2080,7 @@
             <a:pPr>
               <a:defRPr/>
             </a:pPr>
-            <a:fld id="{59565575-FAC8-EA72-26C9-90B785C2A1AD}" type="slidenum">
+            <a:fld id="{B0FC3522-C8DB-0E82-5DC5-92D8998F22E0}" type="slidenum">
               <a:rPr/>
               <a:t/>
             </a:fld>
@@ -2111,7 +2112,7 @@
       </p:grpSpPr>
       <p:sp>
         <p:nvSpPr>
-          <p:cNvPr id="1253605697" name="Slide Image Placeholder 1"/>
+          <p:cNvPr id="1018414693" name="Slide Image Placeholder 1"/>
           <p:cNvSpPr>
             <a:spLocks noChangeAspect="1" noGrp="1" noRot="1"/>
           </p:cNvSpPr>
@@ -2123,7 +2124,7 @@
       </p:sp>
       <p:sp>
         <p:nvSpPr>
-          <p:cNvPr id="2141456140" name="Notes Placeholder 2"/>
+          <p:cNvPr id="2140921532" name="Notes Placeholder 2"/>
           <p:cNvSpPr>
             <a:spLocks noGrp="1"/>
           </p:cNvSpPr>
@@ -2145,7 +2146,7 @@
       </p:sp>
       <p:sp>
         <p:nvSpPr>
-          <p:cNvPr id="914640790" name="Slide Number Placeholder 3"/>
+          <p:cNvPr id="519676796" name="Slide Number Placeholder 3"/>
           <p:cNvSpPr>
             <a:spLocks noGrp="1"/>
           </p:cNvSpPr>
@@ -2161,7 +2162,7 @@
             <a:pPr>
               <a:defRPr/>
             </a:pPr>
-            <a:fld id="{FED3293C-2799-2D84-0AC0-B8F11642F6B7}" type="slidenum">
+            <a:fld id="{59565575-FAC8-EA72-26C9-90B785C2A1AD}" type="slidenum">
               <a:rPr/>
               <a:t/>
             </a:fld>
@@ -2275,6 +2276,88 @@
       </p:grpSpPr>
       <p:sp>
         <p:nvSpPr>
+          <p:cNvPr id="1253605697" name="Slide Image Placeholder 1"/>
+          <p:cNvSpPr>
+            <a:spLocks noChangeAspect="1" noGrp="1" noRot="1"/>
+          </p:cNvSpPr>
+          <p:nvPr>
+            <p:ph type="sldImg"/>
+          </p:nvPr>
+        </p:nvSpPr>
+        <p:spPr bwMode="auto"/>
+      </p:sp>
+      <p:sp>
+        <p:nvSpPr>
+          <p:cNvPr id="2141456140" name="Notes Placeholder 2"/>
+          <p:cNvSpPr>
+            <a:spLocks noGrp="1"/>
+          </p:cNvSpPr>
+          <p:nvPr>
+            <p:ph type="body" idx="1"/>
+          </p:nvPr>
+        </p:nvSpPr>
+        <p:spPr bwMode="auto"/>
+        <p:txBody>
+          <a:bodyPr/>
+          <a:lstStyle/>
+          <a:p>
+            <a:pPr>
+              <a:defRPr/>
+            </a:pPr>
+            <a:endParaRPr/>
+          </a:p>
+        </p:txBody>
+      </p:sp>
+      <p:sp>
+        <p:nvSpPr>
+          <p:cNvPr id="914640790" name="Slide Number Placeholder 3"/>
+          <p:cNvSpPr>
+            <a:spLocks noGrp="1"/>
+          </p:cNvSpPr>
+          <p:nvPr>
+            <p:ph type="sldNum" sz="quarter" idx="10"/>
+          </p:nvPr>
+        </p:nvSpPr>
+        <p:spPr bwMode="auto"/>
+        <p:txBody>
+          <a:bodyPr/>
+          <a:lstStyle/>
+          <a:p>
+            <a:pPr>
+              <a:defRPr/>
+            </a:pPr>
+            <a:fld id="{FED3293C-2799-2D84-0AC0-B8F11642F6B7}" type="slidenum">
+              <a:rPr/>
+              <a:t/>
+            </a:fld>
+            <a:endParaRPr/>
+          </a:p>
+        </p:txBody>
+      </p:sp>
+    </p:spTree>
+  </p:cSld>
+</p:notes>
+</file>
+
+<file path=ppt/notesSlides/notesSlide31.xml><?xml version="1.0" encoding="utf-8"?>
+<p:notes xmlns:a="http://schemas.openxmlformats.org/drawingml/2006/main" xmlns:r="http://schemas.openxmlformats.org/officeDocument/2006/relationships" xmlns:p="http://schemas.openxmlformats.org/presentationml/2006/main" xmlns:m="http://schemas.openxmlformats.org/officeDocument/2006/math" xmlns:w="http://schemas.openxmlformats.org/wordprocessingml/2006/main">
+  <p:cSld name="">
+    <p:spTree>
+      <p:nvGrpSpPr>
+        <p:cNvPr id="1" name=""/>
+        <p:cNvGrpSpPr/>
+        <p:nvPr/>
+      </p:nvGrpSpPr>
+      <p:grpSpPr bwMode="auto">
+        <a:xfrm>
+          <a:off x="0" y="0"/>
+          <a:ext cx="0" cy="0"/>
+          <a:chOff x="0" y="0"/>
+          <a:chExt cx="0" cy="0"/>
+        </a:xfrm>
+      </p:grpSpPr>
+      <p:sp>
+        <p:nvSpPr>
           <p:cNvPr id="1312677210" name="Slide Image Placeholder 1"/>
           <p:cNvSpPr>
             <a:spLocks noChangeAspect="1" noGrp="1" noRot="1"/>
@@ -2767,7 +2850,7 @@
       </p:grpSpPr>
       <p:sp>
         <p:nvSpPr>
-          <p:cNvPr id="855411799" name="Slide Image Placeholder 1"/>
+          <p:cNvPr id="1390478183" name="Slide Image Placeholder 1"/>
           <p:cNvSpPr>
             <a:spLocks noChangeAspect="1" noGrp="1" noRot="1"/>
           </p:cNvSpPr>
@@ -2779,7 +2862,7 @@
       </p:sp>
       <p:sp>
         <p:nvSpPr>
-          <p:cNvPr id="339987761" name="Notes Placeholder 2"/>
+          <p:cNvPr id="1194792989" name="Notes Placeholder 2"/>
           <p:cNvSpPr>
             <a:spLocks noGrp="1"/>
           </p:cNvSpPr>
@@ -2801,7 +2884,7 @@
       </p:sp>
       <p:sp>
         <p:nvSpPr>
-          <p:cNvPr id="884239934" name="Slide Number Placeholder 3"/>
+          <p:cNvPr id="346639619" name="Slide Number Placeholder 3"/>
           <p:cNvSpPr>
             <a:spLocks noGrp="1"/>
           </p:cNvSpPr>
@@ -2817,7 +2900,7 @@
             <a:pPr>
               <a:defRPr/>
             </a:pPr>
-            <a:fld id="{E1F69818-C8DC-89C4-F64A-9D7B3DD33AA1}" type="slidenum">
+            <a:fld id="{84142588-677C-E9F5-9FEA-877106E9C659}" type="slidenum">
               <a:rPr/>
               <a:t/>
             </a:fld>
@@ -9970,7 +10053,7 @@
               <a:rPr sz="5400"/>
             </a:br>
             <a:r>
-              <a:rPr lang="es-ES" sz="2800" b="1" i="1" u="none" strike="noStrike" cap="none" spc="0">
+              <a:rPr lang="es-ES" sz="2800" b="1" i="0" u="none" strike="noStrike" cap="none" spc="0">
                 <a:solidFill>
                   <a:srgbClr val="FFA85C"/>
                 </a:solidFill>
@@ -9978,7 +10061,7 @@
                 <a:ea typeface="Nimbus Sans"/>
                 <a:cs typeface="Nimbus Sans"/>
               </a:rPr>
-              <a:t>la raíz de David</a:t>
+              <a:t>León de la tribu de Judá</a:t>
             </a:r>
             <a:endParaRPr lang="en-US" sz="2800" b="0" strike="noStrike" spc="0">
               <a:solidFill>
@@ -10030,7 +10113,7 @@
                 <a:ea typeface="Nimbus Sans"/>
                 <a:cs typeface="Nimbus Sans"/>
               </a:rPr>
-              <a:t>Título mesiánico </a:t>
+              <a:t>Uno de los títulos más antiguos que se asignaron al Mesías </a:t>
             </a:r>
             <a:r>
               <a:rPr lang="es-ES" sz="2800" b="1" i="1" u="none" strike="noStrike" cap="none" spc="0">
@@ -10041,7 +10124,7 @@
                 <a:ea typeface="Nimbus Sans"/>
                 <a:cs typeface="Nimbus Sans"/>
               </a:rPr>
-              <a:t>[Isa 11:1-10]</a:t>
+              <a:t>[Gn 49:8-12]</a:t>
             </a:r>
             <a:r>
               <a:rPr lang="es-ES" sz="2800" b="0" i="1" u="none" strike="noStrike" cap="none" spc="0">
@@ -10052,7 +10135,7 @@
                 <a:ea typeface="Nimbus Sans"/>
                 <a:cs typeface="Nimbus Sans"/>
               </a:rPr>
-              <a:t> que anticipa el hecho de que Él fue un descendiente de David, quien con fuerza demoledora forzará a los malvados de la tierra a sucumbir a su autoridad.</a:t>
+              <a:t>. Alude a su ferocidad y fortaleza que apenas se vislumbraron en su primera venida pero no aparecen en su plenitud hasta el momento que aquí se anticipa.</a:t>
             </a:r>
             <a:endParaRPr lang="es-ES" sz="2800" b="0" strike="noStrike" spc="0">
               <a:solidFill>
@@ -10106,7 +10189,7 @@
       </p:grpSpPr>
       <p:sp>
         <p:nvSpPr>
-          <p:cNvPr id="1685274648" name="Marcador de contenido 2"/>
+          <p:cNvPr id="522937594" name="Marcador de contenido 4"/>
           <p:cNvSpPr/>
           <p:nvPr/>
         </p:nvSpPr>
@@ -10135,15 +10218,6 @@
           </a:bodyPr>
           <a:p>
             <a:pPr>
-              <a:lnSpc>
-                <a:spcPct val="90000"/>
-              </a:lnSpc>
-              <a:spcBef>
-                <a:spcPts val="749"/>
-              </a:spcBef>
-              <a:tabLst>
-                <a:tab pos="0" algn="l"/>
-              </a:tabLst>
               <a:defRPr/>
             </a:pPr>
             <a:endParaRPr lang="en-US" sz="1800" b="0" strike="noStrike" spc="0">
@@ -10158,7 +10232,7 @@
       </p:sp>
       <p:sp>
         <p:nvSpPr>
-          <p:cNvPr id="1517185892" name="PlaceHolder 1"/>
+          <p:cNvPr id="118706053" name="PlaceHolder 1"/>
           <p:cNvSpPr>
             <a:spLocks noGrp="1"/>
           </p:cNvSpPr>
@@ -10168,8 +10242,8 @@
         </p:nvSpPr>
         <p:spPr bwMode="auto">
           <a:xfrm>
-            <a:off x="503280" y="369720"/>
-            <a:ext cx="9068760" cy="946440"/>
+            <a:off x="503280" y="439560"/>
+            <a:ext cx="9068760" cy="1094760"/>
           </a:xfrm>
           <a:prstGeom prst="rect">
             <a:avLst/>
@@ -10184,7 +10258,7 @@
             <a:noAutofit/>
           </a:bodyPr>
           <a:p>
-            <a:pPr indent="0" algn="ctr">
+            <a:pPr indent="0">
               <a:lnSpc>
                 <a:spcPct val="100000"/>
               </a:lnSpc>
@@ -10192,24 +10266,42 @@
               <a:defRPr/>
             </a:pPr>
             <a:r>
-              <a:rPr lang="es-ES" sz="5400" b="1" strike="noStrike" spc="0">
+              <a:rPr lang="es-ES" sz="5400" b="1" i="0" u="none" strike="noStrike" cap="none" spc="0">
                 <a:solidFill>
                   <a:srgbClr val="FFFFFF"/>
                 </a:solidFill>
                 <a:latin typeface="Nimbus Sans"/>
+                <a:ea typeface="Nimbus Sans"/>
+                <a:cs typeface="Nimbus Sans"/>
               </a:rPr>
               <a:t>Apocalípsis </a:t>
             </a:r>
             <a:r>
-              <a:rPr lang="es-ES" sz="5400" b="1" strike="noStrike" spc="0">
+              <a:rPr lang="es-ES" sz="5400" b="1" i="0" u="none" strike="noStrike" cap="none" spc="0">
                 <a:solidFill>
                   <a:srgbClr val="FFFFFF"/>
                 </a:solidFill>
                 <a:latin typeface="Nimbus Sans"/>
-              </a:rPr>
-              <a:t>5:6</a:t>
-            </a:r>
-            <a:endParaRPr lang="es-ES" sz="5400" b="0" strike="noStrike" spc="0">
+                <a:ea typeface="Nimbus Sans"/>
+                <a:cs typeface="Nimbus Sans"/>
+              </a:rPr>
+              <a:t>5:5</a:t>
+            </a:r>
+            <a:br>
+              <a:rPr sz="5400"/>
+            </a:br>
+            <a:r>
+              <a:rPr lang="es-ES" sz="2800" b="1" i="1" u="none" strike="noStrike" cap="none" spc="0">
+                <a:solidFill>
+                  <a:srgbClr val="FFA85C"/>
+                </a:solidFill>
+                <a:latin typeface="Nimbus Sans"/>
+                <a:ea typeface="Nimbus Sans"/>
+                <a:cs typeface="Nimbus Sans"/>
+              </a:rPr>
+              <a:t>la raíz de David</a:t>
+            </a:r>
+            <a:endParaRPr lang="en-US" sz="2800" b="0" strike="noStrike" spc="0">
               <a:solidFill>
                 <a:srgbClr val="FFFFFF"/>
               </a:solidFill>
@@ -10220,7 +10312,7 @@
       </p:sp>
       <p:sp>
         <p:nvSpPr>
-          <p:cNvPr id="1224010403" name="PlaceHolder 2"/>
+          <p:cNvPr id="772608184" name="PlaceHolder 2"/>
           <p:cNvSpPr>
             <a:spLocks noGrp="1"/>
           </p:cNvSpPr>
@@ -10230,8 +10322,8 @@
         </p:nvSpPr>
         <p:spPr bwMode="auto">
           <a:xfrm>
-            <a:off x="503280" y="1397880"/>
-            <a:ext cx="9068760" cy="3287880"/>
+            <a:off x="503280" y="1600200"/>
+            <a:ext cx="9068760" cy="3657600"/>
           </a:xfrm>
           <a:prstGeom prst="rect">
             <a:avLst/>
@@ -10251,18 +10343,18 @@
               <a:defRPr/>
             </a:pPr>
             <a:r>
-              <a:rPr lang="es-ES" sz="3200" b="0" i="1" u="none" strike="noStrike" cap="none" spc="0">
-                <a:solidFill>
-                  <a:schemeClr val="bg1"/>
+              <a:rPr lang="es-ES" sz="2800" b="0" i="1" u="none" strike="noStrike" cap="none" spc="0">
+                <a:solidFill>
+                  <a:srgbClr val="FFFFFF"/>
                 </a:solidFill>
                 <a:latin typeface="Nimbus Sans"/>
                 <a:ea typeface="Nimbus Sans"/>
                 <a:cs typeface="Nimbus Sans"/>
               </a:rPr>
-              <a:t>Y miré, y vi que en medio del trono y de los cuatro seres vivientes, y en medio de los ancianos, estaba en pie un </a:t>
-            </a:r>
-            <a:r>
-              <a:rPr lang="es-ES" sz="3200" b="1" i="1" u="none" strike="noStrike" cap="none" spc="0">
+              <a:t>Título mesiánico </a:t>
+            </a:r>
+            <a:r>
+              <a:rPr lang="es-ES" sz="2800" b="1" i="1" u="none" strike="noStrike" cap="none" spc="0">
                 <a:solidFill>
                   <a:srgbClr val="FFA85C"/>
                 </a:solidFill>
@@ -10270,88 +10362,22 @@
                 <a:ea typeface="Nimbus Sans"/>
                 <a:cs typeface="Nimbus Sans"/>
               </a:rPr>
-              <a:t>Cordero</a:t>
-            </a:r>
-            <a:r>
-              <a:rPr lang="es-ES" sz="3200" b="0" i="1" u="none" strike="noStrike" cap="none" spc="0">
-                <a:solidFill>
-                  <a:schemeClr val="bg1"/>
+              <a:t>[Isa 11:1-10]</a:t>
+            </a:r>
+            <a:r>
+              <a:rPr lang="es-ES" sz="2800" b="0" i="1" u="none" strike="noStrike" cap="none" spc="0">
+                <a:solidFill>
+                  <a:srgbClr val="FFFFFF"/>
                 </a:solidFill>
                 <a:latin typeface="Nimbus Sans"/>
                 <a:ea typeface="Nimbus Sans"/>
                 <a:cs typeface="Nimbus Sans"/>
               </a:rPr>
-              <a:t> </a:t>
-            </a:r>
-            <a:r>
-              <a:rPr lang="es-ES" sz="3200" b="1" i="1" u="none" strike="noStrike" cap="none" spc="0">
-                <a:solidFill>
-                  <a:srgbClr val="FFA85C"/>
-                </a:solidFill>
-                <a:latin typeface="Nimbus Sans"/>
-                <a:ea typeface="Nimbus Sans"/>
-                <a:cs typeface="Nimbus Sans"/>
-              </a:rPr>
-              <a:t>como inmolado</a:t>
-            </a:r>
-            <a:r>
-              <a:rPr lang="es-ES" sz="3200" b="0" i="1" u="none" strike="noStrike" cap="none" spc="0">
-                <a:solidFill>
-                  <a:schemeClr val="bg1"/>
-                </a:solidFill>
-                <a:latin typeface="Nimbus Sans"/>
-                <a:ea typeface="Nimbus Sans"/>
-                <a:cs typeface="Nimbus Sans"/>
-              </a:rPr>
-              <a:t>, que tenía </a:t>
-            </a:r>
-            <a:r>
-              <a:rPr lang="es-ES" sz="3200" b="1" i="1" u="none" strike="noStrike" cap="none" spc="0">
-                <a:solidFill>
-                  <a:srgbClr val="FFA85C"/>
-                </a:solidFill>
-                <a:latin typeface="Nimbus Sans"/>
-                <a:ea typeface="Nimbus Sans"/>
-                <a:cs typeface="Nimbus Sans"/>
-              </a:rPr>
-              <a:t>siete cuernos</a:t>
-            </a:r>
-            <a:r>
-              <a:rPr lang="es-ES" sz="3200" b="0" i="1" u="none" strike="noStrike" cap="none" spc="0">
-                <a:solidFill>
-                  <a:schemeClr val="bg1"/>
-                </a:solidFill>
-                <a:latin typeface="Nimbus Sans"/>
-                <a:ea typeface="Nimbus Sans"/>
-                <a:cs typeface="Nimbus Sans"/>
-              </a:rPr>
-              <a:t>, y </a:t>
-            </a:r>
-            <a:r>
-              <a:rPr lang="es-ES" sz="3200" b="1" i="1" u="none" strike="noStrike" cap="none" spc="0">
-                <a:solidFill>
-                  <a:schemeClr val="bg1"/>
-                </a:solidFill>
-                <a:latin typeface="Nimbus Sans"/>
-                <a:ea typeface="Nimbus Sans"/>
-                <a:cs typeface="Nimbus Sans"/>
-              </a:rPr>
-              <a:t>siete ojos</a:t>
-            </a:r>
-            <a:r>
-              <a:rPr lang="es-ES" sz="3200" b="0" i="1" u="none" strike="noStrike" cap="none" spc="0">
-                <a:solidFill>
-                  <a:schemeClr val="bg1"/>
-                </a:solidFill>
-                <a:latin typeface="Nimbus Sans"/>
-                <a:ea typeface="Nimbus Sans"/>
-                <a:cs typeface="Nimbus Sans"/>
-              </a:rPr>
-              <a:t>, los cuales son los siete espíritus de Dios enviados por toda la tierra.</a:t>
-            </a:r>
-            <a:endParaRPr sz="3200" b="0" strike="noStrike" spc="0">
-              <a:solidFill>
-                <a:schemeClr val="bg1"/>
+              <a:t> que anticipa el hecho de que Él fue un descendiente de David, quien con fuerza demoledora forzará a los malvados de la tierra a sucumbir a su autoridad.</a:t>
+            </a:r>
+            <a:endParaRPr lang="es-ES" sz="2800" b="0" strike="noStrike" spc="0">
+              <a:solidFill>
+                <a:srgbClr val="FFFFFF"/>
               </a:solidFill>
               <a:latin typeface="Nimbus Sans"/>
             </a:endParaRPr>
@@ -10401,7 +10427,7 @@
       </p:grpSpPr>
       <p:sp>
         <p:nvSpPr>
-          <p:cNvPr id="1358222101" name="Marcador de contenido 4"/>
+          <p:cNvPr id="1362687178" name="Marcador de contenido 2"/>
           <p:cNvSpPr/>
           <p:nvPr/>
         </p:nvSpPr>
@@ -10430,6 +10456,15 @@
           </a:bodyPr>
           <a:p>
             <a:pPr>
+              <a:lnSpc>
+                <a:spcPct val="90000"/>
+              </a:lnSpc>
+              <a:spcBef>
+                <a:spcPts val="748"/>
+              </a:spcBef>
+              <a:tabLst>
+                <a:tab pos="0" algn="l"/>
+              </a:tabLst>
               <a:defRPr/>
             </a:pPr>
             <a:endParaRPr lang="en-US" sz="1800" b="0" strike="noStrike" spc="0">
@@ -10444,7 +10479,7 @@
       </p:sp>
       <p:sp>
         <p:nvSpPr>
-          <p:cNvPr id="1568933842" name="PlaceHolder 1"/>
+          <p:cNvPr id="23410705" name="PlaceHolder 1"/>
           <p:cNvSpPr>
             <a:spLocks noGrp="1"/>
           </p:cNvSpPr>
@@ -10454,8 +10489,8 @@
         </p:nvSpPr>
         <p:spPr bwMode="auto">
           <a:xfrm>
-            <a:off x="503280" y="439560"/>
-            <a:ext cx="9068760" cy="1094760"/>
+            <a:off x="503280" y="369720"/>
+            <a:ext cx="9068760" cy="946440"/>
           </a:xfrm>
           <a:prstGeom prst="rect">
             <a:avLst/>
@@ -10470,7 +10505,7 @@
             <a:noAutofit/>
           </a:bodyPr>
           <a:p>
-            <a:pPr indent="0">
+            <a:pPr indent="0" algn="ctr">
               <a:lnSpc>
                 <a:spcPct val="100000"/>
               </a:lnSpc>
@@ -10478,53 +10513,24 @@
               <a:defRPr/>
             </a:pPr>
             <a:r>
-              <a:rPr lang="es-ES" sz="5400" b="1" i="0" u="none" strike="noStrike" cap="none" spc="0">
+              <a:rPr lang="es-ES" sz="5400" b="1" strike="noStrike" spc="0">
                 <a:solidFill>
                   <a:srgbClr val="FFFFFF"/>
                 </a:solidFill>
                 <a:latin typeface="Nimbus Sans"/>
-                <a:ea typeface="Nimbus Sans"/>
-                <a:cs typeface="Nimbus Sans"/>
               </a:rPr>
               <a:t>Apocalípsis </a:t>
             </a:r>
             <a:r>
-              <a:rPr lang="es-ES" sz="5400" b="1" i="0" u="none" strike="noStrike" cap="none" spc="0">
+              <a:rPr lang="es-ES" sz="5400" b="1" strike="noStrike" spc="0">
                 <a:solidFill>
                   <a:srgbClr val="FFFFFF"/>
                 </a:solidFill>
                 <a:latin typeface="Nimbus Sans"/>
-                <a:ea typeface="Nimbus Sans"/>
-                <a:cs typeface="Nimbus Sans"/>
               </a:rPr>
               <a:t>5:6</a:t>
             </a:r>
-            <a:br>
-              <a:rPr sz="5400"/>
-            </a:br>
-            <a:r>
-              <a:rPr lang="es-ES" sz="2800" b="1" i="1" u="none" strike="noStrike" cap="none" spc="0">
-                <a:solidFill>
-                  <a:srgbClr val="FFA85C"/>
-                </a:solidFill>
-                <a:latin typeface="Nimbus Sans"/>
-                <a:ea typeface="Nimbus Sans"/>
-                <a:cs typeface="Nimbus Sans"/>
-              </a:rPr>
-              <a:t>Cordero</a:t>
-            </a:r>
-            <a:r>
-              <a:rPr lang="es-ES" sz="2800" b="0" i="1" u="none" strike="noStrike" cap="none" spc="0">
-                <a:solidFill>
-                  <a:schemeClr val="bg1"/>
-                </a:solidFill>
-                <a:latin typeface="Nimbus Sans"/>
-                <a:ea typeface="Nimbus Sans"/>
-                <a:cs typeface="Nimbus Sans"/>
-              </a:rPr>
-              <a:t> </a:t>
-            </a:r>
-            <a:endParaRPr lang="en-US" sz="2800" b="0" strike="noStrike" spc="0">
+            <a:endParaRPr lang="es-ES" sz="5400" b="0" strike="noStrike" spc="0">
               <a:solidFill>
                 <a:srgbClr val="FFFFFF"/>
               </a:solidFill>
@@ -10535,7 +10541,7 @@
       </p:sp>
       <p:sp>
         <p:nvSpPr>
-          <p:cNvPr id="1910235592" name="PlaceHolder 2"/>
+          <p:cNvPr id="78721743" name="PlaceHolder 2"/>
           <p:cNvSpPr>
             <a:spLocks noGrp="1"/>
           </p:cNvSpPr>
@@ -10545,8 +10551,8 @@
         </p:nvSpPr>
         <p:spPr bwMode="auto">
           <a:xfrm>
-            <a:off x="503280" y="1600200"/>
-            <a:ext cx="9068760" cy="3657600"/>
+            <a:off x="503280" y="1397880"/>
+            <a:ext cx="9068760" cy="3287880"/>
           </a:xfrm>
           <a:prstGeom prst="rect">
             <a:avLst/>
@@ -10566,40 +10572,40 @@
               <a:defRPr/>
             </a:pPr>
             <a:r>
-              <a:rPr lang="es-ES" sz="2800" b="0" i="1" u="none" strike="noStrike" cap="none" spc="0">
-                <a:solidFill>
-                  <a:srgbClr val="FFFFFF"/>
+              <a:rPr lang="es-ES" sz="3200" b="0" i="1" u="none" strike="noStrike" cap="none" spc="0">
+                <a:solidFill>
+                  <a:schemeClr val="bg1"/>
                 </a:solidFill>
                 <a:latin typeface="Nimbus Sans"/>
                 <a:ea typeface="Nimbus Sans"/>
                 <a:cs typeface="Nimbus Sans"/>
               </a:rPr>
-              <a:t>literalmente “corderillo”. Dios requería que los judíos llevaran el </a:t>
-            </a:r>
-            <a:r>
-              <a:rPr lang="es-ES" sz="2800" b="1" i="1" u="sng" strike="noStrike" cap="none" spc="0">
-                <a:solidFill>
-                  <a:srgbClr val="FFFFFF"/>
+              <a:t>Y miré, y vi que en medio del trono y de los cuatro seres vivientes, y en medio de los ancianos, estaba en pie un </a:t>
+            </a:r>
+            <a:r>
+              <a:rPr lang="es-ES" sz="3200" b="1" i="1" u="none" strike="noStrike" cap="none" spc="0">
+                <a:solidFill>
+                  <a:srgbClr val="FFA85C"/>
                 </a:solidFill>
                 <a:latin typeface="Nimbus Sans"/>
                 <a:ea typeface="Nimbus Sans"/>
                 <a:cs typeface="Nimbus Sans"/>
               </a:rPr>
-              <a:t>cordero de Pascua</a:t>
-            </a:r>
-            <a:r>
-              <a:rPr lang="es-ES" sz="2800" b="0" i="1" u="none" strike="noStrike" cap="none" spc="0">
-                <a:solidFill>
-                  <a:srgbClr val="FFFFFF"/>
+              <a:t>Cordero</a:t>
+            </a:r>
+            <a:r>
+              <a:rPr lang="es-ES" sz="3200" b="0" i="1" u="none" strike="noStrike" cap="none" spc="0">
+                <a:solidFill>
+                  <a:schemeClr val="bg1"/>
                 </a:solidFill>
                 <a:latin typeface="Nimbus Sans"/>
                 <a:ea typeface="Nimbus Sans"/>
                 <a:cs typeface="Nimbus Sans"/>
               </a:rPr>
-              <a:t> a sus hogares durante cuatro días, lo cual equivalía a convertirlo en una mascota doméstica, antes de que fuera sometido a una muerte violenta </a:t>
-            </a:r>
-            <a:r>
-              <a:rPr lang="es-ES" sz="2800" b="1" i="1" u="none" strike="noStrike" cap="none" spc="0">
+              <a:t> </a:t>
+            </a:r>
+            <a:r>
+              <a:rPr lang="es-ES" sz="3200" b="1" i="1" u="none" strike="noStrike" cap="none" spc="0">
                 <a:solidFill>
                   <a:srgbClr val="FFA85C"/>
                 </a:solidFill>
@@ -10607,21 +10613,21 @@
                 <a:ea typeface="Nimbus Sans"/>
                 <a:cs typeface="Nimbus Sans"/>
               </a:rPr>
-              <a:t>[Éxo 12:3; Éxo 12:6]</a:t>
-            </a:r>
-            <a:r>
-              <a:rPr lang="es-ES" sz="2800" b="0" i="1" u="none" strike="noStrike" cap="none" spc="0">
-                <a:solidFill>
-                  <a:srgbClr val="FFFFFF"/>
+              <a:t>como inmolado</a:t>
+            </a:r>
+            <a:r>
+              <a:rPr lang="es-ES" sz="3200" b="0" i="1" u="none" strike="noStrike" cap="none" spc="0">
+                <a:solidFill>
+                  <a:schemeClr val="bg1"/>
                 </a:solidFill>
                 <a:latin typeface="Nimbus Sans"/>
                 <a:ea typeface="Nimbus Sans"/>
                 <a:cs typeface="Nimbus Sans"/>
               </a:rPr>
-              <a:t>. Este es el verdadero Cordero de la Pascua, el Hijo de Dios </a:t>
-            </a:r>
-            <a:r>
-              <a:rPr lang="es-ES" sz="2800" b="1" i="1" u="none" strike="noStrike" cap="none" spc="0">
+              <a:t>, que tenía </a:t>
+            </a:r>
+            <a:r>
+              <a:rPr lang="es-ES" sz="3200" b="1" i="1" u="none" strike="noStrike" cap="none" spc="0">
                 <a:solidFill>
                   <a:srgbClr val="FFA85C"/>
                 </a:solidFill>
@@ -10629,22 +10635,44 @@
                 <a:ea typeface="Nimbus Sans"/>
                 <a:cs typeface="Nimbus Sans"/>
               </a:rPr>
-              <a:t>[Isa 53:7; Jer 11:19; Jua 1:29]</a:t>
-            </a:r>
-            <a:r>
-              <a:rPr lang="es-ES" sz="2800" b="0" i="1" u="none" strike="noStrike" cap="none" spc="0">
-                <a:solidFill>
-                  <a:srgbClr val="FFFFFF"/>
+              <a:t>siete cuernos</a:t>
+            </a:r>
+            <a:r>
+              <a:rPr lang="es-ES" sz="3200" b="0" i="1" u="none" strike="noStrike" cap="none" spc="0">
+                <a:solidFill>
+                  <a:schemeClr val="bg1"/>
                 </a:solidFill>
                 <a:latin typeface="Nimbus Sans"/>
                 <a:ea typeface="Nimbus Sans"/>
                 <a:cs typeface="Nimbus Sans"/>
               </a:rPr>
-              <a:t>.</a:t>
-            </a:r>
-            <a:endParaRPr lang="es-ES" sz="2800" b="0" strike="noStrike" spc="0">
-              <a:solidFill>
-                <a:srgbClr val="FFFFFF"/>
+              <a:t>, y </a:t>
+            </a:r>
+            <a:r>
+              <a:rPr lang="es-ES" sz="3200" b="1" i="1" u="none" strike="noStrike" cap="none" spc="0">
+                <a:solidFill>
+                  <a:schemeClr val="bg1"/>
+                </a:solidFill>
+                <a:latin typeface="Nimbus Sans"/>
+                <a:ea typeface="Nimbus Sans"/>
+                <a:cs typeface="Nimbus Sans"/>
+              </a:rPr>
+              <a:t>siete ojos</a:t>
+            </a:r>
+            <a:r>
+              <a:rPr lang="es-ES" sz="3200" b="0" i="1" u="none" strike="noStrike" cap="none" spc="0">
+                <a:solidFill>
+                  <a:schemeClr val="bg1"/>
+                </a:solidFill>
+                <a:latin typeface="Nimbus Sans"/>
+                <a:ea typeface="Nimbus Sans"/>
+                <a:cs typeface="Nimbus Sans"/>
+              </a:rPr>
+              <a:t>, los cuales son los siete espíritus de Dios enviados por toda la tierra.</a:t>
+            </a:r>
+            <a:endParaRPr sz="3200" b="0" strike="noStrike" spc="0">
+              <a:solidFill>
+                <a:schemeClr val="bg1"/>
               </a:solidFill>
               <a:latin typeface="Nimbus Sans"/>
             </a:endParaRPr>
@@ -10694,7 +10722,7 @@
       </p:grpSpPr>
       <p:sp>
         <p:nvSpPr>
-          <p:cNvPr id="685454335" name="Marcador de contenido 4"/>
+          <p:cNvPr id="1358222101" name="Marcador de contenido 4"/>
           <p:cNvSpPr/>
           <p:nvPr/>
         </p:nvSpPr>
@@ -10737,7 +10765,7 @@
       </p:sp>
       <p:sp>
         <p:nvSpPr>
-          <p:cNvPr id="247612650" name="PlaceHolder 1"/>
+          <p:cNvPr id="1568933842" name="PlaceHolder 1"/>
           <p:cNvSpPr>
             <a:spLocks noGrp="1"/>
           </p:cNvSpPr>
@@ -10804,7 +10832,18 @@
                 <a:ea typeface="Nimbus Sans"/>
                 <a:cs typeface="Nimbus Sans"/>
               </a:rPr>
-              <a:t>como inmolado</a:t>
+              <a:t>Cordero</a:t>
+            </a:r>
+            <a:r>
+              <a:rPr lang="es-ES" sz="2800" b="0" i="1" u="none" strike="noStrike" cap="none" spc="0">
+                <a:solidFill>
+                  <a:schemeClr val="bg1"/>
+                </a:solidFill>
+                <a:latin typeface="Nimbus Sans"/>
+                <a:ea typeface="Nimbus Sans"/>
+                <a:cs typeface="Nimbus Sans"/>
+              </a:rPr>
+              <a:t> </a:t>
             </a:r>
             <a:endParaRPr lang="en-US" sz="2800" b="0" strike="noStrike" spc="0">
               <a:solidFill>
@@ -10817,7 +10856,7 @@
       </p:sp>
       <p:sp>
         <p:nvSpPr>
-          <p:cNvPr id="1154910798" name="PlaceHolder 2"/>
+          <p:cNvPr id="1910235592" name="PlaceHolder 2"/>
           <p:cNvSpPr>
             <a:spLocks noGrp="1"/>
           </p:cNvSpPr>
@@ -10856,7 +10895,73 @@
                 <a:ea typeface="Nimbus Sans"/>
                 <a:cs typeface="Nimbus Sans"/>
               </a:rPr>
-              <a:t>Las marcas de su inmolación todavía son visibles pero se mantiene erguido y con vida. </a:t>
+              <a:t>literalmente “corderillo”. Dios requería que los judíos llevaran el </a:t>
+            </a:r>
+            <a:r>
+              <a:rPr lang="es-ES" sz="2800" b="1" i="1" u="sng" strike="noStrike" cap="none" spc="0">
+                <a:solidFill>
+                  <a:srgbClr val="FFFFFF"/>
+                </a:solidFill>
+                <a:latin typeface="Nimbus Sans"/>
+                <a:ea typeface="Nimbus Sans"/>
+                <a:cs typeface="Nimbus Sans"/>
+              </a:rPr>
+              <a:t>cordero de Pascua</a:t>
+            </a:r>
+            <a:r>
+              <a:rPr lang="es-ES" sz="2800" b="0" i="1" u="none" strike="noStrike" cap="none" spc="0">
+                <a:solidFill>
+                  <a:srgbClr val="FFFFFF"/>
+                </a:solidFill>
+                <a:latin typeface="Nimbus Sans"/>
+                <a:ea typeface="Nimbus Sans"/>
+                <a:cs typeface="Nimbus Sans"/>
+              </a:rPr>
+              <a:t> a sus hogares durante cuatro días, lo cual equivalía a convertirlo en una mascota doméstica, antes de que fuera sometido a una muerte violenta </a:t>
+            </a:r>
+            <a:r>
+              <a:rPr lang="es-ES" sz="2800" b="1" i="1" u="none" strike="noStrike" cap="none" spc="0">
+                <a:solidFill>
+                  <a:srgbClr val="FFA85C"/>
+                </a:solidFill>
+                <a:latin typeface="Nimbus Sans"/>
+                <a:ea typeface="Nimbus Sans"/>
+                <a:cs typeface="Nimbus Sans"/>
+              </a:rPr>
+              <a:t>[Éxo 12:3; Éxo 12:6]</a:t>
+            </a:r>
+            <a:r>
+              <a:rPr lang="es-ES" sz="2800" b="0" i="1" u="none" strike="noStrike" cap="none" spc="0">
+                <a:solidFill>
+                  <a:srgbClr val="FFFFFF"/>
+                </a:solidFill>
+                <a:latin typeface="Nimbus Sans"/>
+                <a:ea typeface="Nimbus Sans"/>
+                <a:cs typeface="Nimbus Sans"/>
+              </a:rPr>
+              <a:t>. Este es el verdadero Cordero de la Pascua, el Hijo de Dios </a:t>
+            </a:r>
+            <a:r>
+              <a:rPr lang="es-ES" sz="2800" b="1" i="1" u="none" strike="noStrike" cap="none" spc="0">
+                <a:solidFill>
+                  <a:srgbClr val="FFA85C"/>
+                </a:solidFill>
+                <a:latin typeface="Nimbus Sans"/>
+                <a:ea typeface="Nimbus Sans"/>
+                <a:cs typeface="Nimbus Sans"/>
+              </a:rPr>
+              <a:t>[Isa 53:7; Jer 11:19; Jua 1:29]</a:t>
+            </a:r>
+            <a:r>
+              <a:rPr lang="es-ES" sz="2800" b="0" i="1" u="none" strike="noStrike" cap="none" spc="0">
+                <a:solidFill>
+                  <a:srgbClr val="FFFFFF"/>
+                </a:solidFill>
+                <a:latin typeface="Nimbus Sans"/>
+                <a:ea typeface="Nimbus Sans"/>
+                <a:cs typeface="Nimbus Sans"/>
+              </a:rPr>
+              <a:t>.</a:t>
             </a:r>
             <a:endParaRPr lang="es-ES" sz="2800" b="0" strike="noStrike" spc="0">
               <a:solidFill>
@@ -10910,7 +11015,7 @@
       </p:grpSpPr>
       <p:sp>
         <p:nvSpPr>
-          <p:cNvPr id="1987849228" name="Marcador de contenido 4"/>
+          <p:cNvPr id="685454335" name="Marcador de contenido 4"/>
           <p:cNvSpPr/>
           <p:nvPr/>
         </p:nvSpPr>
@@ -10953,7 +11058,7 @@
       </p:sp>
       <p:sp>
         <p:nvSpPr>
-          <p:cNvPr id="1131451619" name="PlaceHolder 1"/>
+          <p:cNvPr id="247612650" name="PlaceHolder 1"/>
           <p:cNvSpPr>
             <a:spLocks noGrp="1"/>
           </p:cNvSpPr>
@@ -11020,7 +11125,7 @@
                 <a:ea typeface="Nimbus Sans"/>
                 <a:cs typeface="Nimbus Sans"/>
               </a:rPr>
-              <a:t>siete cuernos</a:t>
+              <a:t>como inmolado</a:t>
             </a:r>
             <a:endParaRPr lang="en-US" sz="2800" b="0" strike="noStrike" spc="0">
               <a:solidFill>
@@ -11033,7 +11138,7 @@
       </p:sp>
       <p:sp>
         <p:nvSpPr>
-          <p:cNvPr id="1936713533" name="PlaceHolder 2"/>
+          <p:cNvPr id="1154910798" name="PlaceHolder 2"/>
           <p:cNvSpPr>
             <a:spLocks noGrp="1"/>
           </p:cNvSpPr>
@@ -11072,62 +11177,7 @@
                 <a:ea typeface="Nimbus Sans"/>
                 <a:cs typeface="Nimbus Sans"/>
               </a:rPr>
-              <a:t>En la Biblia, los cuernos siempre son </a:t>
-            </a:r>
-            <a:r>
-              <a:rPr lang="es-ES" sz="2800" b="1" i="1" u="sng" strike="noStrike" cap="none" spc="0">
-                <a:solidFill>
-                  <a:srgbClr val="FFFFFF"/>
-                </a:solidFill>
-                <a:latin typeface="Nimbus Sans"/>
-                <a:ea typeface="Nimbus Sans"/>
-                <a:cs typeface="Nimbus Sans"/>
-              </a:rPr>
-              <a:t>símbolos de poder</a:t>
-            </a:r>
-            <a:r>
-              <a:rPr lang="es-ES" sz="2800" b="1" i="1" u="none" strike="noStrike" cap="none" spc="0">
-                <a:solidFill>
-                  <a:srgbClr val="FFFFFF"/>
-                </a:solidFill>
-                <a:latin typeface="Nimbus Sans"/>
-                <a:ea typeface="Nimbus Sans"/>
-                <a:cs typeface="Nimbus Sans"/>
-              </a:rPr>
-              <a:t> </a:t>
-            </a:r>
-            <a:r>
-              <a:rPr lang="es-ES" sz="2800" b="0" i="1" u="none" strike="noStrike" cap="none" spc="0">
-                <a:solidFill>
-                  <a:srgbClr val="FFFFFF"/>
-                </a:solidFill>
-                <a:latin typeface="Nimbus Sans"/>
-                <a:ea typeface="Nimbus Sans"/>
-                <a:cs typeface="Nimbus Sans"/>
-              </a:rPr>
-              <a:t>porque en el reino animal son utilizados para ejercer dominio e infligir heridas en combate. </a:t>
-            </a:r>
-            <a:r>
-              <a:rPr lang="es-ES" sz="2800" b="1" i="1" u="sng" strike="noStrike" cap="none" spc="0">
-                <a:solidFill>
-                  <a:srgbClr val="FFFFFF"/>
-                </a:solidFill>
-                <a:latin typeface="Nimbus Sans"/>
-                <a:ea typeface="Nimbus Sans"/>
-                <a:cs typeface="Nimbus Sans"/>
-              </a:rPr>
-              <a:t>Siete cuernos representan un poder completo, perfecto y absoluto</a:t>
-            </a:r>
-            <a:r>
-              <a:rPr lang="es-ES" sz="2800" b="0" i="1" u="none" strike="noStrike" cap="none" spc="0">
-                <a:solidFill>
-                  <a:srgbClr val="FFFFFF"/>
-                </a:solidFill>
-                <a:latin typeface="Nimbus Sans"/>
-                <a:ea typeface="Nimbus Sans"/>
-                <a:cs typeface="Nimbus Sans"/>
-              </a:rPr>
-              <a:t>. A diferencia de otros corderos indefensos, este tiene poder total y soberano.</a:t>
+              <a:t>Las marcas de su inmolación todavía son visibles pero se mantiene erguido y con vida. </a:t>
             </a:r>
             <a:endParaRPr lang="es-ES" sz="2800" b="0" strike="noStrike" spc="0">
               <a:solidFill>
@@ -11181,7 +11231,7 @@
       </p:grpSpPr>
       <p:sp>
         <p:nvSpPr>
-          <p:cNvPr id="343464093" name="Marcador de contenido 2"/>
+          <p:cNvPr id="1987849228" name="Marcador de contenido 4"/>
           <p:cNvSpPr/>
           <p:nvPr/>
         </p:nvSpPr>
@@ -11210,15 +11260,6 @@
           </a:bodyPr>
           <a:p>
             <a:pPr>
-              <a:lnSpc>
-                <a:spcPct val="90000"/>
-              </a:lnSpc>
-              <a:spcBef>
-                <a:spcPts val="749"/>
-              </a:spcBef>
-              <a:tabLst>
-                <a:tab pos="0" algn="l"/>
-              </a:tabLst>
               <a:defRPr/>
             </a:pPr>
             <a:endParaRPr lang="en-US" sz="1800" b="0" strike="noStrike" spc="0">
@@ -11233,7 +11274,7 @@
       </p:sp>
       <p:sp>
         <p:nvSpPr>
-          <p:cNvPr id="1079133838" name="PlaceHolder 1"/>
+          <p:cNvPr id="1131451619" name="PlaceHolder 1"/>
           <p:cNvSpPr>
             <a:spLocks noGrp="1"/>
           </p:cNvSpPr>
@@ -11243,8 +11284,8 @@
         </p:nvSpPr>
         <p:spPr bwMode="auto">
           <a:xfrm>
-            <a:off x="503280" y="369720"/>
-            <a:ext cx="9068760" cy="946440"/>
+            <a:off x="503280" y="439560"/>
+            <a:ext cx="9068760" cy="1094760"/>
           </a:xfrm>
           <a:prstGeom prst="rect">
             <a:avLst/>
@@ -11259,7 +11300,7 @@
             <a:noAutofit/>
           </a:bodyPr>
           <a:p>
-            <a:pPr indent="0" algn="ctr">
+            <a:pPr indent="0">
               <a:lnSpc>
                 <a:spcPct val="100000"/>
               </a:lnSpc>
@@ -11267,24 +11308,42 @@
               <a:defRPr/>
             </a:pPr>
             <a:r>
-              <a:rPr lang="es-ES" sz="5400" b="1" strike="noStrike" spc="0">
+              <a:rPr lang="es-ES" sz="5400" b="1" i="0" u="none" strike="noStrike" cap="none" spc="0">
                 <a:solidFill>
                   <a:srgbClr val="FFFFFF"/>
                 </a:solidFill>
                 <a:latin typeface="Nimbus Sans"/>
+                <a:ea typeface="Nimbus Sans"/>
+                <a:cs typeface="Nimbus Sans"/>
               </a:rPr>
               <a:t>Apocalípsis </a:t>
             </a:r>
             <a:r>
-              <a:rPr lang="es-ES" sz="5400" b="1" strike="noStrike" spc="0">
+              <a:rPr lang="es-ES" sz="5400" b="1" i="0" u="none" strike="noStrike" cap="none" spc="0">
                 <a:solidFill>
                   <a:srgbClr val="FFFFFF"/>
                 </a:solidFill>
                 <a:latin typeface="Nimbus Sans"/>
-              </a:rPr>
-              <a:t>5:7</a:t>
-            </a:r>
-            <a:endParaRPr lang="es-ES" sz="5400" b="0" strike="noStrike" spc="0">
+                <a:ea typeface="Nimbus Sans"/>
+                <a:cs typeface="Nimbus Sans"/>
+              </a:rPr>
+              <a:t>5:6</a:t>
+            </a:r>
+            <a:br>
+              <a:rPr sz="5400"/>
+            </a:br>
+            <a:r>
+              <a:rPr lang="es-ES" sz="2800" b="1" i="1" u="none" strike="noStrike" cap="none" spc="0">
+                <a:solidFill>
+                  <a:srgbClr val="FFA85C"/>
+                </a:solidFill>
+                <a:latin typeface="Nimbus Sans"/>
+                <a:ea typeface="Nimbus Sans"/>
+                <a:cs typeface="Nimbus Sans"/>
+              </a:rPr>
+              <a:t>siete cuernos</a:t>
+            </a:r>
+            <a:endParaRPr lang="en-US" sz="2800" b="0" strike="noStrike" spc="0">
               <a:solidFill>
                 <a:srgbClr val="FFFFFF"/>
               </a:solidFill>
@@ -11295,7 +11354,7 @@
       </p:sp>
       <p:sp>
         <p:nvSpPr>
-          <p:cNvPr id="516049833" name="PlaceHolder 2"/>
+          <p:cNvPr id="1936713533" name="PlaceHolder 2"/>
           <p:cNvSpPr>
             <a:spLocks noGrp="1"/>
           </p:cNvSpPr>
@@ -11305,8 +11364,8 @@
         </p:nvSpPr>
         <p:spPr bwMode="auto">
           <a:xfrm>
-            <a:off x="503280" y="1397880"/>
-            <a:ext cx="9068760" cy="3287880"/>
+            <a:off x="503280" y="1600200"/>
+            <a:ext cx="9068760" cy="3657600"/>
           </a:xfrm>
           <a:prstGeom prst="rect">
             <a:avLst/>
@@ -11326,19 +11385,74 @@
               <a:defRPr/>
             </a:pPr>
             <a:r>
-              <a:rPr lang="es-ES" sz="3200" b="0" i="1" u="none" strike="noStrike" cap="none" spc="0">
-                <a:solidFill>
-                  <a:schemeClr val="bg1"/>
+              <a:rPr lang="es-ES" sz="2800" b="0" i="1" u="none" strike="noStrike" cap="none" spc="0">
+                <a:solidFill>
+                  <a:srgbClr val="FFFFFF"/>
                 </a:solidFill>
                 <a:latin typeface="Nimbus Sans"/>
                 <a:ea typeface="Nimbus Sans"/>
                 <a:cs typeface="Nimbus Sans"/>
               </a:rPr>
-              <a:t>Y vino, y tomó el libro de la mano derecha del que estaba sentado en el trono.</a:t>
-            </a:r>
-            <a:endParaRPr sz="3200" b="0" strike="noStrike" spc="0">
-              <a:solidFill>
-                <a:schemeClr val="bg1"/>
+              <a:t>En la Biblia, los cuernos siempre son </a:t>
+            </a:r>
+            <a:r>
+              <a:rPr lang="es-ES" sz="2800" b="1" i="1" u="sng" strike="noStrike" cap="none" spc="0">
+                <a:solidFill>
+                  <a:srgbClr val="FFFFFF"/>
+                </a:solidFill>
+                <a:latin typeface="Nimbus Sans"/>
+                <a:ea typeface="Nimbus Sans"/>
+                <a:cs typeface="Nimbus Sans"/>
+              </a:rPr>
+              <a:t>símbolos de poder</a:t>
+            </a:r>
+            <a:r>
+              <a:rPr lang="es-ES" sz="2800" b="1" i="1" u="none" strike="noStrike" cap="none" spc="0">
+                <a:solidFill>
+                  <a:srgbClr val="FFFFFF"/>
+                </a:solidFill>
+                <a:latin typeface="Nimbus Sans"/>
+                <a:ea typeface="Nimbus Sans"/>
+                <a:cs typeface="Nimbus Sans"/>
+              </a:rPr>
+              <a:t> </a:t>
+            </a:r>
+            <a:r>
+              <a:rPr lang="es-ES" sz="2800" b="0" i="1" u="none" strike="noStrike" cap="none" spc="0">
+                <a:solidFill>
+                  <a:srgbClr val="FFFFFF"/>
+                </a:solidFill>
+                <a:latin typeface="Nimbus Sans"/>
+                <a:ea typeface="Nimbus Sans"/>
+                <a:cs typeface="Nimbus Sans"/>
+              </a:rPr>
+              <a:t>porque en el reino animal son utilizados para ejercer dominio e infligir heridas en combate. </a:t>
+            </a:r>
+            <a:r>
+              <a:rPr lang="es-ES" sz="2800" b="1" i="1" u="sng" strike="noStrike" cap="none" spc="0">
+                <a:solidFill>
+                  <a:srgbClr val="FFFFFF"/>
+                </a:solidFill>
+                <a:latin typeface="Nimbus Sans"/>
+                <a:ea typeface="Nimbus Sans"/>
+                <a:cs typeface="Nimbus Sans"/>
+              </a:rPr>
+              <a:t>Siete cuernos representan un poder completo, perfecto y absoluto</a:t>
+            </a:r>
+            <a:r>
+              <a:rPr lang="es-ES" sz="2800" b="0" i="1" u="none" strike="noStrike" cap="none" spc="0">
+                <a:solidFill>
+                  <a:srgbClr val="FFFFFF"/>
+                </a:solidFill>
+                <a:latin typeface="Nimbus Sans"/>
+                <a:ea typeface="Nimbus Sans"/>
+                <a:cs typeface="Nimbus Sans"/>
+              </a:rPr>
+              <a:t>. A diferencia de otros corderos indefensos, este tiene poder total y soberano.</a:t>
+            </a:r>
+            <a:endParaRPr lang="es-ES" sz="2800" b="0" strike="noStrike" spc="0">
+              <a:solidFill>
+                <a:srgbClr val="FFFFFF"/>
               </a:solidFill>
               <a:latin typeface="Nimbus Sans"/>
             </a:endParaRPr>
@@ -11388,7 +11502,7 @@
       </p:grpSpPr>
       <p:sp>
         <p:nvSpPr>
-          <p:cNvPr id="215374799" name="Marcador de contenido 2"/>
+          <p:cNvPr id="343464093" name="Marcador de contenido 2"/>
           <p:cNvSpPr/>
           <p:nvPr/>
         </p:nvSpPr>
@@ -11440,7 +11554,7 @@
       </p:sp>
       <p:sp>
         <p:nvSpPr>
-          <p:cNvPr id="1670068306" name="PlaceHolder 1"/>
+          <p:cNvPr id="1079133838" name="PlaceHolder 1"/>
           <p:cNvSpPr>
             <a:spLocks noGrp="1"/>
           </p:cNvSpPr>
@@ -11489,7 +11603,7 @@
                 </a:solidFill>
                 <a:latin typeface="Nimbus Sans"/>
               </a:rPr>
-              <a:t>5:8</a:t>
+              <a:t>5:7</a:t>
             </a:r>
             <a:endParaRPr lang="es-ES" sz="5400" b="0" strike="noStrike" spc="0">
               <a:solidFill>
@@ -11502,7 +11616,7 @@
       </p:sp>
       <p:sp>
         <p:nvSpPr>
-          <p:cNvPr id="1949997289" name="PlaceHolder 2"/>
+          <p:cNvPr id="516049833" name="PlaceHolder 2"/>
           <p:cNvSpPr>
             <a:spLocks noGrp="1"/>
           </p:cNvSpPr>
@@ -11541,73 +11655,7 @@
                 <a:ea typeface="Nimbus Sans"/>
                 <a:cs typeface="Nimbus Sans"/>
               </a:rPr>
-              <a:t>Y cuando hubo tomado el libro, los cuatro seres vivientes y los veinticuatro ancianos se postraron delante del Cordero; todos tenían </a:t>
-            </a:r>
-            <a:r>
-              <a:rPr lang="es-ES" sz="3200" b="1" i="1" u="none" strike="noStrike" cap="none" spc="0">
-                <a:solidFill>
-                  <a:srgbClr val="FFA85C"/>
-                </a:solidFill>
-                <a:latin typeface="Nimbus Sans"/>
-                <a:ea typeface="Nimbus Sans"/>
-                <a:cs typeface="Nimbus Sans"/>
-              </a:rPr>
-              <a:t>arpas</a:t>
-            </a:r>
-            <a:r>
-              <a:rPr lang="es-ES" sz="3200" b="0" i="1" u="none" strike="noStrike" cap="none" spc="0">
-                <a:solidFill>
-                  <a:schemeClr val="bg1"/>
-                </a:solidFill>
-                <a:latin typeface="Nimbus Sans"/>
-                <a:ea typeface="Nimbus Sans"/>
-                <a:cs typeface="Nimbus Sans"/>
-              </a:rPr>
-              <a:t>, y </a:t>
-            </a:r>
-            <a:r>
-              <a:rPr lang="es-ES" sz="3200" b="1" i="1" u="none" strike="noStrike" cap="none" spc="0">
-                <a:solidFill>
-                  <a:srgbClr val="FFA85C"/>
-                </a:solidFill>
-                <a:latin typeface="Nimbus Sans"/>
-                <a:ea typeface="Nimbus Sans"/>
-                <a:cs typeface="Nimbus Sans"/>
-              </a:rPr>
-              <a:t>copas de oro llenas de incienso</a:t>
-            </a:r>
-            <a:r>
-              <a:rPr lang="es-ES" sz="3200" b="0" i="1" u="none" strike="noStrike" cap="none" spc="0">
-                <a:solidFill>
-                  <a:schemeClr val="bg1"/>
-                </a:solidFill>
-                <a:latin typeface="Nimbus Sans"/>
-                <a:ea typeface="Nimbus Sans"/>
-                <a:cs typeface="Nimbus Sans"/>
-              </a:rPr>
-              <a:t>, que son </a:t>
-            </a:r>
-            <a:r>
-              <a:rPr lang="es-ES" sz="3200" b="1" i="1" u="none" strike="noStrike" cap="none" spc="0">
-                <a:solidFill>
-                  <a:srgbClr val="FFA85C"/>
-                </a:solidFill>
-                <a:latin typeface="Nimbus Sans"/>
-                <a:ea typeface="Nimbus Sans"/>
-                <a:cs typeface="Nimbus Sans"/>
-              </a:rPr>
-              <a:t>las oraciones de los santos</a:t>
-            </a:r>
-            <a:r>
-              <a:rPr lang="es-ES" sz="3200" b="0" i="1" u="none" strike="noStrike" cap="none" spc="0">
-                <a:solidFill>
-                  <a:schemeClr val="bg1"/>
-                </a:solidFill>
-                <a:latin typeface="Nimbus Sans"/>
-                <a:ea typeface="Nimbus Sans"/>
-                <a:cs typeface="Nimbus Sans"/>
-              </a:rPr>
-              <a:t>;</a:t>
+              <a:t>Y vino, y tomó el libro de la mano derecha del que estaba sentado en el trono.</a:t>
             </a:r>
             <a:endParaRPr sz="3200" b="0" strike="noStrike" spc="0">
               <a:solidFill>
@@ -11661,7 +11709,7 @@
       </p:grpSpPr>
       <p:sp>
         <p:nvSpPr>
-          <p:cNvPr id="1357254287" name="Marcador de contenido 4"/>
+          <p:cNvPr id="215374799" name="Marcador de contenido 2"/>
           <p:cNvSpPr/>
           <p:nvPr/>
         </p:nvSpPr>
@@ -11690,6 +11738,15 @@
           </a:bodyPr>
           <a:p>
             <a:pPr>
+              <a:lnSpc>
+                <a:spcPct val="90000"/>
+              </a:lnSpc>
+              <a:spcBef>
+                <a:spcPts val="749"/>
+              </a:spcBef>
+              <a:tabLst>
+                <a:tab pos="0" algn="l"/>
+              </a:tabLst>
               <a:defRPr/>
             </a:pPr>
             <a:endParaRPr lang="en-US" sz="1800" b="0" strike="noStrike" spc="0">
@@ -11704,7 +11761,7 @@
       </p:sp>
       <p:sp>
         <p:nvSpPr>
-          <p:cNvPr id="1861244755" name="PlaceHolder 1"/>
+          <p:cNvPr id="1670068306" name="PlaceHolder 1"/>
           <p:cNvSpPr>
             <a:spLocks noGrp="1"/>
           </p:cNvSpPr>
@@ -11714,8 +11771,8 @@
         </p:nvSpPr>
         <p:spPr bwMode="auto">
           <a:xfrm>
-            <a:off x="503280" y="439560"/>
-            <a:ext cx="9068760" cy="1094760"/>
+            <a:off x="503280" y="369720"/>
+            <a:ext cx="9068760" cy="946440"/>
           </a:xfrm>
           <a:prstGeom prst="rect">
             <a:avLst/>
@@ -11730,7 +11787,7 @@
             <a:noAutofit/>
           </a:bodyPr>
           <a:p>
-            <a:pPr indent="0">
+            <a:pPr indent="0" algn="ctr">
               <a:lnSpc>
                 <a:spcPct val="100000"/>
               </a:lnSpc>
@@ -11738,42 +11795,24 @@
               <a:defRPr/>
             </a:pPr>
             <a:r>
-              <a:rPr lang="es-ES" sz="5400" b="1" i="0" u="none" strike="noStrike" cap="none" spc="0">
+              <a:rPr lang="es-ES" sz="5400" b="1" strike="noStrike" spc="0">
                 <a:solidFill>
                   <a:srgbClr val="FFFFFF"/>
                 </a:solidFill>
                 <a:latin typeface="Nimbus Sans"/>
-                <a:ea typeface="Nimbus Sans"/>
-                <a:cs typeface="Nimbus Sans"/>
               </a:rPr>
               <a:t>Apocalípsis </a:t>
             </a:r>
             <a:r>
-              <a:rPr lang="es-ES" sz="5400" b="1" i="0" u="none" strike="noStrike" cap="none" spc="0">
+              <a:rPr lang="es-ES" sz="5400" b="1" strike="noStrike" spc="0">
                 <a:solidFill>
                   <a:srgbClr val="FFFFFF"/>
                 </a:solidFill>
                 <a:latin typeface="Nimbus Sans"/>
-                <a:ea typeface="Nimbus Sans"/>
-                <a:cs typeface="Nimbus Sans"/>
               </a:rPr>
               <a:t>5:8</a:t>
             </a:r>
-            <a:br>
-              <a:rPr sz="5400"/>
-            </a:br>
-            <a:r>
-              <a:rPr lang="es-ES" sz="2800" b="1" i="1" u="none" strike="noStrike" cap="none" spc="0">
-                <a:solidFill>
-                  <a:srgbClr val="FFA85C"/>
-                </a:solidFill>
-                <a:latin typeface="Nimbus Sans"/>
-                <a:ea typeface="Nimbus Sans"/>
-                <a:cs typeface="Nimbus Sans"/>
-              </a:rPr>
-              <a:t>arpas</a:t>
-            </a:r>
-            <a:endParaRPr lang="en-US" sz="2800" b="0" strike="noStrike" spc="0">
+            <a:endParaRPr lang="es-ES" sz="5400" b="0" strike="noStrike" spc="0">
               <a:solidFill>
                 <a:srgbClr val="FFFFFF"/>
               </a:solidFill>
@@ -11784,7 +11823,7 @@
       </p:sp>
       <p:sp>
         <p:nvSpPr>
-          <p:cNvPr id="1757348535" name="PlaceHolder 2"/>
+          <p:cNvPr id="1949997289" name="PlaceHolder 2"/>
           <p:cNvSpPr>
             <a:spLocks noGrp="1"/>
           </p:cNvSpPr>
@@ -11794,8 +11833,8 @@
         </p:nvSpPr>
         <p:spPr bwMode="auto">
           <a:xfrm>
-            <a:off x="503280" y="1600200"/>
-            <a:ext cx="9068760" cy="3657600"/>
+            <a:off x="503280" y="1397880"/>
+            <a:ext cx="9068760" cy="3287880"/>
           </a:xfrm>
           <a:prstGeom prst="rect">
             <a:avLst/>
@@ -11815,18 +11854,18 @@
               <a:defRPr/>
             </a:pPr>
             <a:r>
-              <a:rPr lang="es-ES" sz="2800" b="0" i="1" u="none" strike="noStrike" cap="none" spc="0">
-                <a:solidFill>
-                  <a:srgbClr val="FFFFFF"/>
+              <a:rPr lang="es-ES" sz="3200" b="0" i="1" u="none" strike="noStrike" cap="none" spc="0">
+                <a:solidFill>
+                  <a:schemeClr val="bg1"/>
                 </a:solidFill>
                 <a:latin typeface="Nimbus Sans"/>
                 <a:ea typeface="Nimbus Sans"/>
                 <a:cs typeface="Nimbus Sans"/>
               </a:rPr>
-              <a:t>Estos antiguos instrumentos de cuerda no solo acompañaron los cánticos del pueblo de Dios </a:t>
-            </a:r>
-            <a:r>
-              <a:rPr lang="es-ES" sz="2800" b="1" i="1" u="none" strike="noStrike" cap="none" spc="0">
+              <a:t>Y cuando hubo tomado el libro, los cuatro seres vivientes y los veinticuatro ancianos se postraron delante del Cordero; todos tenían </a:t>
+            </a:r>
+            <a:r>
+              <a:rPr lang="es-ES" sz="3200" b="1" i="1" u="none" strike="noStrike" cap="none" spc="0">
                 <a:solidFill>
                   <a:srgbClr val="FFA85C"/>
                 </a:solidFill>
@@ -11834,21 +11873,21 @@
                 <a:ea typeface="Nimbus Sans"/>
                 <a:cs typeface="Nimbus Sans"/>
               </a:rPr>
-              <a:t>[1Cr 25:6; Sal 33:2]</a:t>
-            </a:r>
-            <a:r>
-              <a:rPr lang="es-ES" sz="2800" b="0" i="1" u="none" strike="noStrike" cap="none" spc="0">
-                <a:solidFill>
-                  <a:srgbClr val="FFFFFF"/>
+              <a:t>arpas</a:t>
+            </a:r>
+            <a:r>
+              <a:rPr lang="es-ES" sz="3200" b="0" i="1" u="none" strike="noStrike" cap="none" spc="0">
+                <a:solidFill>
+                  <a:schemeClr val="bg1"/>
                 </a:solidFill>
                 <a:latin typeface="Nimbus Sans"/>
                 <a:ea typeface="Nimbus Sans"/>
                 <a:cs typeface="Nimbus Sans"/>
               </a:rPr>
-              <a:t>, sino también el ejercicio del ministerio profético </a:t>
-            </a:r>
-            <a:r>
-              <a:rPr lang="es-ES" sz="2800" b="1" i="1" u="none" strike="noStrike" cap="none" spc="0">
+              <a:t>, y </a:t>
+            </a:r>
+            <a:r>
+              <a:rPr lang="es-ES" sz="3200" b="1" i="1" u="none" strike="noStrike" cap="none" spc="0">
                 <a:solidFill>
                   <a:srgbClr val="FFA85C"/>
                 </a:solidFill>
@@ -11856,22 +11895,44 @@
                 <a:ea typeface="Nimbus Sans"/>
                 <a:cs typeface="Nimbus Sans"/>
               </a:rPr>
-              <a:t>[1Sa 10:5]</a:t>
-            </a:r>
-            <a:r>
-              <a:rPr lang="es-ES" sz="2800" b="0" i="1" u="none" strike="noStrike" cap="none" spc="0">
-                <a:solidFill>
-                  <a:srgbClr val="FFFFFF"/>
+              <a:t>copas de oro llenas de incienso</a:t>
+            </a:r>
+            <a:r>
+              <a:rPr lang="es-ES" sz="3200" b="0" i="1" u="none" strike="noStrike" cap="none" spc="0">
+                <a:solidFill>
+                  <a:schemeClr val="bg1"/>
                 </a:solidFill>
                 <a:latin typeface="Nimbus Sans"/>
                 <a:ea typeface="Nimbus Sans"/>
                 <a:cs typeface="Nimbus Sans"/>
               </a:rPr>
-              <a:t>. Los veinticuatro ancianos que representan a la iglesia redimida, tocaron sus arpas para alabar a Dios y también como una indicación simbólica de que todo lo dicho por los profetas estaba a punto de cumplirse.</a:t>
-            </a:r>
-            <a:endParaRPr lang="es-ES" sz="2800" b="0" strike="noStrike" spc="0">
-              <a:solidFill>
-                <a:srgbClr val="FFFFFF"/>
+              <a:t>, que son </a:t>
+            </a:r>
+            <a:r>
+              <a:rPr lang="es-ES" sz="3200" b="1" i="1" u="none" strike="noStrike" cap="none" spc="0">
+                <a:solidFill>
+                  <a:srgbClr val="FFA85C"/>
+                </a:solidFill>
+                <a:latin typeface="Nimbus Sans"/>
+                <a:ea typeface="Nimbus Sans"/>
+                <a:cs typeface="Nimbus Sans"/>
+              </a:rPr>
+              <a:t>las oraciones de los santos</a:t>
+            </a:r>
+            <a:r>
+              <a:rPr lang="es-ES" sz="3200" b="0" i="1" u="none" strike="noStrike" cap="none" spc="0">
+                <a:solidFill>
+                  <a:schemeClr val="bg1"/>
+                </a:solidFill>
+                <a:latin typeface="Nimbus Sans"/>
+                <a:ea typeface="Nimbus Sans"/>
+                <a:cs typeface="Nimbus Sans"/>
+              </a:rPr>
+              <a:t>;</a:t>
+            </a:r>
+            <a:endParaRPr sz="3200" b="0" strike="noStrike" spc="0">
+              <a:solidFill>
+                <a:schemeClr val="bg1"/>
               </a:solidFill>
               <a:latin typeface="Nimbus Sans"/>
             </a:endParaRPr>
@@ -11921,7 +11982,7 @@
       </p:grpSpPr>
       <p:sp>
         <p:nvSpPr>
-          <p:cNvPr id="155202971" name="Marcador de contenido 4"/>
+          <p:cNvPr id="1357254287" name="Marcador de contenido 4"/>
           <p:cNvSpPr/>
           <p:nvPr/>
         </p:nvSpPr>
@@ -11964,7 +12025,7 @@
       </p:sp>
       <p:sp>
         <p:nvSpPr>
-          <p:cNvPr id="916057757" name="PlaceHolder 1"/>
+          <p:cNvPr id="1861244755" name="PlaceHolder 1"/>
           <p:cNvSpPr>
             <a:spLocks noGrp="1"/>
           </p:cNvSpPr>
@@ -12031,7 +12092,7 @@
                 <a:ea typeface="Nimbus Sans"/>
                 <a:cs typeface="Nimbus Sans"/>
               </a:rPr>
-              <a:t>copas de oro llenas de incienso</a:t>
+              <a:t>arpas</a:t>
             </a:r>
             <a:endParaRPr lang="en-US" sz="2800" b="0" strike="noStrike" spc="0">
               <a:solidFill>
@@ -12044,7 +12105,7 @@
       </p:sp>
       <p:sp>
         <p:nvSpPr>
-          <p:cNvPr id="1477834857" name="PlaceHolder 2"/>
+          <p:cNvPr id="1757348535" name="PlaceHolder 2"/>
           <p:cNvSpPr>
             <a:spLocks noGrp="1"/>
           </p:cNvSpPr>
@@ -12070,7 +12131,8 @@
             <a:noAutofit/>
           </a:bodyPr>
           <a:p>
-            <a:pPr>
+            <a:pPr indent="0">
+              <a:buNone/>
               <a:defRPr/>
             </a:pPr>
             <a:r>
@@ -12082,9 +12144,58 @@
                 <a:ea typeface="Nimbus Sans"/>
                 <a:cs typeface="Nimbus Sans"/>
               </a:rPr>
-              <a:t>Estos recipientes anchos fueron comunes en el tabernáculo y en el templo. El incienso era una parte normal en los ritos del antiguo pacto. Los sacerdotes se colocaban dos veces al día frente al velo interior del templo y quemaban incienso para que el humo llegara hasta el Lugar santísimo y fuera olor fragante a Dios.</a:t>
-            </a:r>
-            <a:endParaRPr/>
+              <a:t>Estos antiguos instrumentos de cuerda no solo acompañaron los cánticos del pueblo de Dios </a:t>
+            </a:r>
+            <a:r>
+              <a:rPr lang="es-ES" sz="2800" b="1" i="1" u="none" strike="noStrike" cap="none" spc="0">
+                <a:solidFill>
+                  <a:srgbClr val="FFA85C"/>
+                </a:solidFill>
+                <a:latin typeface="Nimbus Sans"/>
+                <a:ea typeface="Nimbus Sans"/>
+                <a:cs typeface="Nimbus Sans"/>
+              </a:rPr>
+              <a:t>[1Cr 25:6; Sal 33:2]</a:t>
+            </a:r>
+            <a:r>
+              <a:rPr lang="es-ES" sz="2800" b="0" i="1" u="none" strike="noStrike" cap="none" spc="0">
+                <a:solidFill>
+                  <a:srgbClr val="FFFFFF"/>
+                </a:solidFill>
+                <a:latin typeface="Nimbus Sans"/>
+                <a:ea typeface="Nimbus Sans"/>
+                <a:cs typeface="Nimbus Sans"/>
+              </a:rPr>
+              <a:t>, sino también el ejercicio del ministerio profético </a:t>
+            </a:r>
+            <a:r>
+              <a:rPr lang="es-ES" sz="2800" b="1" i="1" u="none" strike="noStrike" cap="none" spc="0">
+                <a:solidFill>
+                  <a:srgbClr val="FFA85C"/>
+                </a:solidFill>
+                <a:latin typeface="Nimbus Sans"/>
+                <a:ea typeface="Nimbus Sans"/>
+                <a:cs typeface="Nimbus Sans"/>
+              </a:rPr>
+              <a:t>[1Sa 10:5]</a:t>
+            </a:r>
+            <a:r>
+              <a:rPr lang="es-ES" sz="2800" b="0" i="1" u="none" strike="noStrike" cap="none" spc="0">
+                <a:solidFill>
+                  <a:srgbClr val="FFFFFF"/>
+                </a:solidFill>
+                <a:latin typeface="Nimbus Sans"/>
+                <a:ea typeface="Nimbus Sans"/>
+                <a:cs typeface="Nimbus Sans"/>
+              </a:rPr>
+              <a:t>. Los veinticuatro ancianos que representan a la iglesia redimida, tocaron sus arpas para alabar a Dios y también como una indicación simbólica de que todo lo dicho por los profetas estaba a punto de cumplirse.</a:t>
+            </a:r>
+            <a:endParaRPr lang="es-ES" sz="2800" b="0" strike="noStrike" spc="0">
+              <a:solidFill>
+                <a:srgbClr val="FFFFFF"/>
+              </a:solidFill>
+              <a:latin typeface="Nimbus Sans"/>
+            </a:endParaRPr>
           </a:p>
         </p:txBody>
       </p:sp>
@@ -12131,7 +12242,7 @@
       </p:grpSpPr>
       <p:sp>
         <p:nvSpPr>
-          <p:cNvPr id="726544929" name="Marcador de contenido 4"/>
+          <p:cNvPr id="155202971" name="Marcador de contenido 4"/>
           <p:cNvSpPr/>
           <p:nvPr/>
         </p:nvSpPr>
@@ -12174,7 +12285,7 @@
       </p:sp>
       <p:sp>
         <p:nvSpPr>
-          <p:cNvPr id="52096213" name="PlaceHolder 1"/>
+          <p:cNvPr id="916057757" name="PlaceHolder 1"/>
           <p:cNvSpPr>
             <a:spLocks noGrp="1"/>
           </p:cNvSpPr>
@@ -12241,7 +12352,7 @@
                 <a:ea typeface="Nimbus Sans"/>
                 <a:cs typeface="Nimbus Sans"/>
               </a:rPr>
-              <a:t>las oraciones de los santos</a:t>
+              <a:t>copas de oro llenas de incienso</a:t>
             </a:r>
             <a:endParaRPr lang="en-US" sz="2800" b="0" strike="noStrike" spc="0">
               <a:solidFill>
@@ -12254,7 +12365,7 @@
       </p:sp>
       <p:sp>
         <p:nvSpPr>
-          <p:cNvPr id="152782282" name="PlaceHolder 2"/>
+          <p:cNvPr id="1477834857" name="PlaceHolder 2"/>
           <p:cNvSpPr>
             <a:spLocks noGrp="1"/>
           </p:cNvSpPr>
@@ -12292,7 +12403,7 @@
                 <a:ea typeface="Nimbus Sans"/>
                 <a:cs typeface="Nimbus Sans"/>
               </a:rPr>
-              <a:t>De forma específica, estas oraciones representan todo lo que los redimidos han presentado en oración ante Dios con respecto a la redención definitiva y final.</a:t>
+              <a:t>Estos recipientes anchos fueron comunes en el tabernáculo y en el templo. El incienso era una parte normal en los ritos del antiguo pacto. Los sacerdotes se colocaban dos veces al día frente al velo interior del templo y quemaban incienso para que el humo llegara hasta el Lugar santísimo y fuera olor fragante a Dios.</a:t>
             </a:r>
             <a:endParaRPr/>
           </a:p>
@@ -12540,7 +12651,7 @@
       </p:grpSpPr>
       <p:sp>
         <p:nvSpPr>
-          <p:cNvPr id="595403593" name="Marcador de contenido 2"/>
+          <p:cNvPr id="726544929" name="Marcador de contenido 4"/>
           <p:cNvSpPr/>
           <p:nvPr/>
         </p:nvSpPr>
@@ -12569,15 +12680,6 @@
           </a:bodyPr>
           <a:p>
             <a:pPr>
-              <a:lnSpc>
-                <a:spcPct val="90000"/>
-              </a:lnSpc>
-              <a:spcBef>
-                <a:spcPts val="749"/>
-              </a:spcBef>
-              <a:tabLst>
-                <a:tab pos="0" algn="l"/>
-              </a:tabLst>
               <a:defRPr/>
             </a:pPr>
             <a:endParaRPr lang="en-US" sz="1800" b="0" strike="noStrike" spc="0">
@@ -12592,7 +12694,7 @@
       </p:sp>
       <p:sp>
         <p:nvSpPr>
-          <p:cNvPr id="64934932" name="PlaceHolder 1"/>
+          <p:cNvPr id="52096213" name="PlaceHolder 1"/>
           <p:cNvSpPr>
             <a:spLocks noGrp="1"/>
           </p:cNvSpPr>
@@ -12602,8 +12704,8 @@
         </p:nvSpPr>
         <p:spPr bwMode="auto">
           <a:xfrm>
-            <a:off x="503280" y="369720"/>
-            <a:ext cx="9068760" cy="946440"/>
+            <a:off x="503280" y="439560"/>
+            <a:ext cx="9068760" cy="1094760"/>
           </a:xfrm>
           <a:prstGeom prst="rect">
             <a:avLst/>
@@ -12618,7 +12720,7 @@
             <a:noAutofit/>
           </a:bodyPr>
           <a:p>
-            <a:pPr indent="0" algn="ctr">
+            <a:pPr indent="0">
               <a:lnSpc>
                 <a:spcPct val="100000"/>
               </a:lnSpc>
@@ -12626,24 +12728,42 @@
               <a:defRPr/>
             </a:pPr>
             <a:r>
-              <a:rPr lang="es-ES" sz="5400" b="1" strike="noStrike" spc="0">
+              <a:rPr lang="es-ES" sz="5400" b="1" i="0" u="none" strike="noStrike" cap="none" spc="0">
                 <a:solidFill>
                   <a:srgbClr val="FFFFFF"/>
                 </a:solidFill>
                 <a:latin typeface="Nimbus Sans"/>
+                <a:ea typeface="Nimbus Sans"/>
+                <a:cs typeface="Nimbus Sans"/>
               </a:rPr>
               <a:t>Apocalípsis </a:t>
             </a:r>
             <a:r>
-              <a:rPr lang="es-ES" sz="5400" b="1" strike="noStrike" spc="0">
+              <a:rPr lang="es-ES" sz="5400" b="1" i="0" u="none" strike="noStrike" cap="none" spc="0">
                 <a:solidFill>
                   <a:srgbClr val="FFFFFF"/>
                 </a:solidFill>
                 <a:latin typeface="Nimbus Sans"/>
-              </a:rPr>
-              <a:t>5:9</a:t>
-            </a:r>
-            <a:endParaRPr lang="es-ES" sz="5400" b="0" strike="noStrike" spc="0">
+                <a:ea typeface="Nimbus Sans"/>
+                <a:cs typeface="Nimbus Sans"/>
+              </a:rPr>
+              <a:t>5:8</a:t>
+            </a:r>
+            <a:br>
+              <a:rPr sz="5400"/>
+            </a:br>
+            <a:r>
+              <a:rPr lang="es-ES" sz="2800" b="1" i="1" u="none" strike="noStrike" cap="none" spc="0">
+                <a:solidFill>
+                  <a:srgbClr val="FFA85C"/>
+                </a:solidFill>
+                <a:latin typeface="Nimbus Sans"/>
+                <a:ea typeface="Nimbus Sans"/>
+                <a:cs typeface="Nimbus Sans"/>
+              </a:rPr>
+              <a:t>las oraciones de los santos</a:t>
+            </a:r>
+            <a:endParaRPr lang="en-US" sz="2800" b="0" strike="noStrike" spc="0">
               <a:solidFill>
                 <a:srgbClr val="FFFFFF"/>
               </a:solidFill>
@@ -12654,7 +12774,7 @@
       </p:sp>
       <p:sp>
         <p:nvSpPr>
-          <p:cNvPr id="1993564878" name="PlaceHolder 2"/>
+          <p:cNvPr id="152782282" name="PlaceHolder 2"/>
           <p:cNvSpPr>
             <a:spLocks noGrp="1"/>
           </p:cNvSpPr>
@@ -12664,8 +12784,8 @@
         </p:nvSpPr>
         <p:spPr bwMode="auto">
           <a:xfrm>
-            <a:off x="503280" y="1397880"/>
-            <a:ext cx="9068760" cy="3287880"/>
+            <a:off x="503280" y="1600200"/>
+            <a:ext cx="9068760" cy="3657600"/>
           </a:xfrm>
           <a:prstGeom prst="rect">
             <a:avLst/>
@@ -12680,71 +12800,21 @@
             <a:noAutofit/>
           </a:bodyPr>
           <a:p>
-            <a:pPr indent="0">
-              <a:buNone/>
-              <a:defRPr/>
-            </a:pPr>
-            <a:r>
-              <a:rPr lang="es-ES" sz="3200" b="0" i="1" u="none" strike="noStrike" cap="none" spc="0">
-                <a:solidFill>
-                  <a:schemeClr val="bg1"/>
+            <a:pPr>
+              <a:defRPr/>
+            </a:pPr>
+            <a:r>
+              <a:rPr lang="es-ES" sz="2800" b="0" i="1" u="none" strike="noStrike" cap="none" spc="0">
+                <a:solidFill>
+                  <a:srgbClr val="FFFFFF"/>
                 </a:solidFill>
                 <a:latin typeface="Nimbus Sans"/>
                 <a:ea typeface="Nimbus Sans"/>
                 <a:cs typeface="Nimbus Sans"/>
               </a:rPr>
-              <a:t>y cantaban </a:t>
-            </a:r>
-            <a:r>
-              <a:rPr lang="es-ES" sz="3200" b="1" i="1" u="none" strike="noStrike" cap="none" spc="0">
-                <a:solidFill>
-                  <a:srgbClr val="FFA85C"/>
-                </a:solidFill>
-                <a:latin typeface="Nimbus Sans"/>
-                <a:ea typeface="Nimbus Sans"/>
-                <a:cs typeface="Nimbus Sans"/>
-              </a:rPr>
-              <a:t>un nuevo cántico</a:t>
-            </a:r>
-            <a:r>
-              <a:rPr lang="es-ES" sz="3200" b="0" i="1" u="none" strike="noStrike" cap="none" spc="0">
-                <a:solidFill>
-                  <a:schemeClr val="bg1"/>
-                </a:solidFill>
-                <a:latin typeface="Nimbus Sans"/>
-                <a:ea typeface="Nimbus Sans"/>
-                <a:cs typeface="Nimbus Sans"/>
-              </a:rPr>
-              <a:t>, diciendo: Digno eres de tomar el libro y de abrir sus sellos; porque tú fuiste inmolado, y </a:t>
-            </a:r>
-            <a:r>
-              <a:rPr lang="es-ES" sz="3200" b="1" i="1" u="none" strike="noStrike" cap="none" spc="0">
-                <a:solidFill>
-                  <a:srgbClr val="FFA85C"/>
-                </a:solidFill>
-                <a:latin typeface="Nimbus Sans"/>
-                <a:ea typeface="Nimbus Sans"/>
-                <a:cs typeface="Nimbus Sans"/>
-              </a:rPr>
-              <a:t>con tu sangre nos has redimido para Dios</a:t>
-            </a:r>
-            <a:r>
-              <a:rPr lang="es-ES" sz="3200" b="0" i="1" u="none" strike="noStrike" cap="none" spc="0">
-                <a:solidFill>
-                  <a:schemeClr val="bg1"/>
-                </a:solidFill>
-                <a:latin typeface="Nimbus Sans"/>
-                <a:ea typeface="Nimbus Sans"/>
-                <a:cs typeface="Nimbus Sans"/>
-              </a:rPr>
-              <a:t>, de todo linaje y lengua y pueblo y nación;</a:t>
-            </a:r>
-            <a:endParaRPr sz="3200" b="0" strike="noStrike" spc="0">
-              <a:solidFill>
-                <a:schemeClr val="bg1"/>
-              </a:solidFill>
-              <a:latin typeface="Nimbus Sans"/>
-            </a:endParaRPr>
+              <a:t>De forma específica, estas oraciones representan todo lo que los redimidos han presentado en oración ante Dios con respecto a la redención definitiva y final.</a:t>
+            </a:r>
+            <a:endParaRPr/>
           </a:p>
         </p:txBody>
       </p:sp>
@@ -12791,7 +12861,7 @@
       </p:grpSpPr>
       <p:sp>
         <p:nvSpPr>
-          <p:cNvPr id="1540390191" name="Marcador de contenido 4"/>
+          <p:cNvPr id="595403593" name="Marcador de contenido 2"/>
           <p:cNvSpPr/>
           <p:nvPr/>
         </p:nvSpPr>
@@ -12820,6 +12890,15 @@
           </a:bodyPr>
           <a:p>
             <a:pPr>
+              <a:lnSpc>
+                <a:spcPct val="90000"/>
+              </a:lnSpc>
+              <a:spcBef>
+                <a:spcPts val="749"/>
+              </a:spcBef>
+              <a:tabLst>
+                <a:tab pos="0" algn="l"/>
+              </a:tabLst>
               <a:defRPr/>
             </a:pPr>
             <a:endParaRPr lang="en-US" sz="1800" b="0" strike="noStrike" spc="0">
@@ -12834,7 +12913,7 @@
       </p:sp>
       <p:sp>
         <p:nvSpPr>
-          <p:cNvPr id="862058897" name="PlaceHolder 1"/>
+          <p:cNvPr id="64934932" name="PlaceHolder 1"/>
           <p:cNvSpPr>
             <a:spLocks noGrp="1"/>
           </p:cNvSpPr>
@@ -12844,8 +12923,8 @@
         </p:nvSpPr>
         <p:spPr bwMode="auto">
           <a:xfrm>
-            <a:off x="503280" y="439560"/>
-            <a:ext cx="9068760" cy="1094760"/>
+            <a:off x="503280" y="369720"/>
+            <a:ext cx="9068760" cy="946440"/>
           </a:xfrm>
           <a:prstGeom prst="rect">
             <a:avLst/>
@@ -12860,7 +12939,7 @@
             <a:noAutofit/>
           </a:bodyPr>
           <a:p>
-            <a:pPr indent="0">
+            <a:pPr indent="0" algn="ctr">
               <a:lnSpc>
                 <a:spcPct val="100000"/>
               </a:lnSpc>
@@ -12868,42 +12947,24 @@
               <a:defRPr/>
             </a:pPr>
             <a:r>
-              <a:rPr lang="es-ES" sz="5400" b="1" i="0" u="none" strike="noStrike" cap="none" spc="0">
+              <a:rPr lang="es-ES" sz="5400" b="1" strike="noStrike" spc="0">
                 <a:solidFill>
                   <a:srgbClr val="FFFFFF"/>
                 </a:solidFill>
                 <a:latin typeface="Nimbus Sans"/>
-                <a:ea typeface="Nimbus Sans"/>
-                <a:cs typeface="Nimbus Sans"/>
               </a:rPr>
               <a:t>Apocalípsis </a:t>
             </a:r>
             <a:r>
-              <a:rPr lang="es-ES" sz="5400" b="1" i="0" u="none" strike="noStrike" cap="none" spc="0">
+              <a:rPr lang="es-ES" sz="5400" b="1" strike="noStrike" spc="0">
                 <a:solidFill>
                   <a:srgbClr val="FFFFFF"/>
                 </a:solidFill>
                 <a:latin typeface="Nimbus Sans"/>
-                <a:ea typeface="Nimbus Sans"/>
-                <a:cs typeface="Nimbus Sans"/>
               </a:rPr>
               <a:t>5:9</a:t>
             </a:r>
-            <a:br>
-              <a:rPr sz="5400"/>
-            </a:br>
-            <a:r>
-              <a:rPr lang="es-ES" sz="2800" b="1" i="1" u="none" strike="noStrike" cap="none" spc="0">
-                <a:solidFill>
-                  <a:srgbClr val="FFA85C"/>
-                </a:solidFill>
-                <a:latin typeface="Nimbus Sans"/>
-                <a:ea typeface="Nimbus Sans"/>
-                <a:cs typeface="Nimbus Sans"/>
-              </a:rPr>
-              <a:t>las oraciones de los santos</a:t>
-            </a:r>
-            <a:endParaRPr lang="en-US" sz="2800" b="0" strike="noStrike" spc="0">
+            <a:endParaRPr lang="es-ES" sz="5400" b="0" strike="noStrike" spc="0">
               <a:solidFill>
                 <a:srgbClr val="FFFFFF"/>
               </a:solidFill>
@@ -12914,7 +12975,7 @@
       </p:sp>
       <p:sp>
         <p:nvSpPr>
-          <p:cNvPr id="650067809" name="PlaceHolder 2"/>
+          <p:cNvPr id="1993564878" name="PlaceHolder 2"/>
           <p:cNvSpPr>
             <a:spLocks noGrp="1"/>
           </p:cNvSpPr>
@@ -12924,8 +12985,8 @@
         </p:nvSpPr>
         <p:spPr bwMode="auto">
           <a:xfrm>
-            <a:off x="503280" y="1600200"/>
-            <a:ext cx="9068760" cy="3657600"/>
+            <a:off x="503280" y="1397880"/>
+            <a:ext cx="9068760" cy="3287880"/>
           </a:xfrm>
           <a:prstGeom prst="rect">
             <a:avLst/>
@@ -12940,59 +13001,70 @@
             <a:noAutofit/>
           </a:bodyPr>
           <a:p>
-            <a:pPr>
-              <a:defRPr/>
-            </a:pPr>
-            <a:r>
-              <a:rPr lang="es-ES" sz="2800" b="1" i="1" u="none" strike="noStrike" cap="none" spc="0">
-                <a:solidFill>
-                  <a:srgbClr val="FFA85C"/>
+            <a:pPr indent="0">
+              <a:buNone/>
+              <a:defRPr/>
+            </a:pPr>
+            <a:r>
+              <a:rPr lang="es-ES" sz="3200" b="0" i="1" u="none" strike="noStrike" cap="none" spc="0">
+                <a:solidFill>
+                  <a:schemeClr val="bg1"/>
                 </a:solidFill>
                 <a:latin typeface="Nimbus Sans"/>
                 <a:ea typeface="Nimbus Sans"/>
                 <a:cs typeface="Nimbus Sans"/>
               </a:rPr>
-              <a:t>[Ap 15:3]</a:t>
-            </a:r>
-            <a:r>
-              <a:rPr lang="es-ES" sz="2800" b="0" i="1" u="none" strike="noStrike" cap="none" spc="0">
-                <a:solidFill>
-                  <a:srgbClr val="FFFFFF"/>
+              <a:t>y cantaban </a:t>
+            </a:r>
+            <a:r>
+              <a:rPr lang="es-ES" sz="3200" b="1" i="1" u="none" strike="noStrike" cap="none" spc="0">
+                <a:solidFill>
+                  <a:srgbClr val="FFA85C"/>
                 </a:solidFill>
                 <a:latin typeface="Nimbus Sans"/>
                 <a:ea typeface="Nimbus Sans"/>
                 <a:cs typeface="Nimbus Sans"/>
               </a:rPr>
-              <a:t>. El AT está lleno de referencias a un cántico nuevo que fluye de un corazón que ha experimentado la redención o la liberación de Dios </a:t>
-            </a:r>
-            <a:r>
-              <a:rPr lang="es-ES" sz="2800" b="1" i="1" u="none" strike="noStrike" cap="none" spc="0">
-                <a:solidFill>
-                  <a:srgbClr val="FFA85C"/>
+              <a:t>un nuevo cántico</a:t>
+            </a:r>
+            <a:r>
+              <a:rPr lang="es-ES" sz="3200" b="0" i="1" u="none" strike="noStrike" cap="none" spc="0">
+                <a:solidFill>
+                  <a:schemeClr val="bg1"/>
                 </a:solidFill>
                 <a:latin typeface="Nimbus Sans"/>
                 <a:ea typeface="Nimbus Sans"/>
                 <a:cs typeface="Nimbus Sans"/>
               </a:rPr>
-              <a:t>[Apo 14:3; Sal 33:3; Sal 96:1; Sal 144:9]</a:t>
-            </a:r>
-            <a:r>
-              <a:rPr lang="es-ES" sz="2800" b="0" i="1" u="none" strike="noStrike" cap="none" spc="0">
-                <a:solidFill>
-                  <a:srgbClr val="FFFFFF"/>
+              <a:t>, diciendo: Digno eres de tomar el libro y de abrir sus sellos; porque tú fuiste inmolado, y </a:t>
+            </a:r>
+            <a:r>
+              <a:rPr lang="es-ES" sz="3200" b="1" i="1" u="none" strike="noStrike" cap="none" spc="0">
+                <a:solidFill>
+                  <a:srgbClr val="FFA85C"/>
                 </a:solidFill>
                 <a:latin typeface="Nimbus Sans"/>
                 <a:ea typeface="Nimbus Sans"/>
                 <a:cs typeface="Nimbus Sans"/>
               </a:rPr>
-              <a:t>. Este cántico nuevo anticipa la redención gloriosa y definitiva que Dios está a punto de comenzar.</a:t>
-            </a:r>
-            <a:endParaRPr lang="es-ES" sz="2800" b="0" i="1" u="none" strike="noStrike" cap="none" spc="0">
-              <a:solidFill>
-                <a:srgbClr val="FFFFFF"/>
-              </a:solidFill>
-              <a:latin typeface="Times New Roman"/>
-              <a:cs typeface="Times New Roman"/>
+              <a:t>con tu sangre nos has redimido para Dios</a:t>
+            </a:r>
+            <a:r>
+              <a:rPr lang="es-ES" sz="3200" b="0" i="1" u="none" strike="noStrike" cap="none" spc="0">
+                <a:solidFill>
+                  <a:schemeClr val="bg1"/>
+                </a:solidFill>
+                <a:latin typeface="Nimbus Sans"/>
+                <a:ea typeface="Nimbus Sans"/>
+                <a:cs typeface="Nimbus Sans"/>
+              </a:rPr>
+              <a:t>, de todo linaje y lengua y pueblo y nación;</a:t>
+            </a:r>
+            <a:endParaRPr sz="3200" b="0" strike="noStrike" spc="0">
+              <a:solidFill>
+                <a:schemeClr val="bg1"/>
+              </a:solidFill>
+              <a:latin typeface="Nimbus Sans"/>
             </a:endParaRPr>
           </a:p>
         </p:txBody>
@@ -13040,7 +13112,7 @@
       </p:grpSpPr>
       <p:sp>
         <p:nvSpPr>
-          <p:cNvPr id="1224848692" name="Marcador de contenido 4"/>
+          <p:cNvPr id="1540390191" name="Marcador de contenido 4"/>
           <p:cNvSpPr/>
           <p:nvPr/>
         </p:nvSpPr>
@@ -13083,7 +13155,7 @@
       </p:sp>
       <p:sp>
         <p:nvSpPr>
-          <p:cNvPr id="851207443" name="PlaceHolder 1"/>
+          <p:cNvPr id="862058897" name="PlaceHolder 1"/>
           <p:cNvSpPr>
             <a:spLocks noGrp="1"/>
           </p:cNvSpPr>
@@ -13150,7 +13222,7 @@
                 <a:ea typeface="Nimbus Sans"/>
                 <a:cs typeface="Nimbus Sans"/>
               </a:rPr>
-              <a:t>con tu sangre nos has redimido para Dios</a:t>
+              <a:t>las oraciones de los santos</a:t>
             </a:r>
             <a:endParaRPr lang="en-US" sz="2800" b="0" strike="noStrike" spc="0">
               <a:solidFill>
@@ -13163,7 +13235,7 @@
       </p:sp>
       <p:sp>
         <p:nvSpPr>
-          <p:cNvPr id="1325417361" name="PlaceHolder 2"/>
+          <p:cNvPr id="650067809" name="PlaceHolder 2"/>
           <p:cNvSpPr>
             <a:spLocks noGrp="1"/>
           </p:cNvSpPr>
@@ -13193,39 +13265,56 @@
               <a:defRPr/>
             </a:pPr>
             <a:r>
-              <a:rPr lang="es-ES" sz="2800" b="0" i="1" u="none" strike="noStrike" cap="none" spc="0">
-                <a:solidFill>
-                  <a:srgbClr val="FFFFFF"/>
+              <a:rPr lang="es-ES" sz="2800" b="1" i="1" u="none" strike="noStrike" cap="none" spc="0">
+                <a:solidFill>
+                  <a:srgbClr val="FFA85C"/>
                 </a:solidFill>
                 <a:latin typeface="Nimbus Sans"/>
                 <a:ea typeface="Nimbus Sans"/>
                 <a:cs typeface="Nimbus Sans"/>
               </a:rPr>
-              <a:t>El sacrificio y la muerte de Cristo a favor y en lugar de los pecadores lo hizo digno de tomar el rollo </a:t>
-            </a:r>
-            <a:r>
-              <a:rPr lang="es-ES" sz="2800" b="1" i="1" u="none" strike="noStrike" cap="none" spc="0">
-                <a:solidFill>
-                  <a:srgbClr val="FFA85C"/>
+              <a:t>[Ap 15:3]</a:t>
+            </a:r>
+            <a:r>
+              <a:rPr lang="es-ES" sz="2800" b="0" i="1" u="none" strike="noStrike" cap="none" spc="0">
+                <a:solidFill>
+                  <a:srgbClr val="FFFFFF"/>
                 </a:solidFill>
                 <a:latin typeface="Nimbus Sans"/>
                 <a:ea typeface="Nimbus Sans"/>
                 <a:cs typeface="Nimbus Sans"/>
               </a:rPr>
-              <a:t>[1Co 6:20; 1Co 7:23; 2Co 5:21; Gál 3:3; 1Pe 1:18-19; 2Pe 2:1]</a:t>
-            </a:r>
-            <a:r>
-              <a:rPr lang="es-ES" sz="2800" b="0" i="1" u="none" strike="noStrike" cap="none" spc="0">
-                <a:solidFill>
-                  <a:srgbClr val="FFFFFF"/>
+              <a:t>. El AT está lleno de referencias a un cántico nuevo que fluye de un corazón que ha experimentado la redención o la liberación de Dios </a:t>
+            </a:r>
+            <a:r>
+              <a:rPr lang="es-ES" sz="2800" b="1" i="1" u="none" strike="noStrike" cap="none" spc="0">
+                <a:solidFill>
+                  <a:srgbClr val="FFA85C"/>
                 </a:solidFill>
                 <a:latin typeface="Nimbus Sans"/>
                 <a:ea typeface="Nimbus Sans"/>
                 <a:cs typeface="Nimbus Sans"/>
               </a:rPr>
-              <a:t>.</a:t>
-            </a:r>
-            <a:endParaRPr/>
+              <a:t>[Apo 14:3; Sal 33:3; Sal 96:1; Sal 144:9]</a:t>
+            </a:r>
+            <a:r>
+              <a:rPr lang="es-ES" sz="2800" b="0" i="1" u="none" strike="noStrike" cap="none" spc="0">
+                <a:solidFill>
+                  <a:srgbClr val="FFFFFF"/>
+                </a:solidFill>
+                <a:latin typeface="Nimbus Sans"/>
+                <a:ea typeface="Nimbus Sans"/>
+                <a:cs typeface="Nimbus Sans"/>
+              </a:rPr>
+              <a:t>. Este cántico nuevo anticipa la redención gloriosa y definitiva que Dios está a punto de comenzar.</a:t>
+            </a:r>
+            <a:endParaRPr lang="es-ES" sz="2800" b="0" i="1" u="none" strike="noStrike" cap="none" spc="0">
+              <a:solidFill>
+                <a:srgbClr val="FFFFFF"/>
+              </a:solidFill>
+              <a:latin typeface="Times New Roman"/>
+              <a:cs typeface="Times New Roman"/>
+            </a:endParaRPr>
           </a:p>
         </p:txBody>
       </p:sp>
@@ -13272,7 +13361,7 @@
       </p:grpSpPr>
       <p:sp>
         <p:nvSpPr>
-          <p:cNvPr id="956941905" name="Marcador de contenido 4"/>
+          <p:cNvPr id="1224848692" name="Marcador de contenido 4"/>
           <p:cNvSpPr/>
           <p:nvPr/>
         </p:nvSpPr>
@@ -13315,7 +13404,7 @@
       </p:sp>
       <p:sp>
         <p:nvSpPr>
-          <p:cNvPr id="1513351765" name="PlaceHolder 1"/>
+          <p:cNvPr id="851207443" name="PlaceHolder 1"/>
           <p:cNvSpPr>
             <a:spLocks noGrp="1"/>
           </p:cNvSpPr>
@@ -13368,7 +13457,7 @@
                 <a:ea typeface="Nimbus Sans"/>
                 <a:cs typeface="Nimbus Sans"/>
               </a:rPr>
-              <a:t>5:10</a:t>
+              <a:t>5:9</a:t>
             </a:r>
             <a:br>
               <a:rPr sz="5400"/>
@@ -13382,27 +13471,7 @@
                 <a:ea typeface="Nimbus Sans"/>
                 <a:cs typeface="Nimbus Sans"/>
               </a:rPr>
-              <a:t>reyes y sacerdotes</a:t>
-            </a:r>
-            <a:r>
-              <a:rPr lang="en-US" sz="2800" b="0" strike="noStrike" spc="0">
-                <a:solidFill>
-                  <a:srgbClr val="FFFFFF"/>
-                </a:solidFill>
-                <a:latin typeface="Nimbus Sans"/>
-              </a:rPr>
-              <a:t> </a:t>
-            </a:r>
-            <a:r>
-              <a:rPr lang="es-ES" sz="2800" b="1" i="1" u="none" strike="noStrike" cap="none" spc="0">
-                <a:solidFill>
-                  <a:srgbClr val="FFA85C"/>
-                </a:solidFill>
-                <a:latin typeface="Nimbus Sans"/>
-                <a:ea typeface="Nimbus Sans"/>
-                <a:cs typeface="Nimbus Sans"/>
-              </a:rPr>
-              <a:t>... reinaremos sobre la tierra</a:t>
+              <a:t>con tu sangre nos has redimido para Dios</a:t>
             </a:r>
             <a:endParaRPr lang="en-US" sz="2800" b="0" strike="noStrike" spc="0">
               <a:solidFill>
@@ -13415,7 +13484,7 @@
       </p:sp>
       <p:sp>
         <p:nvSpPr>
-          <p:cNvPr id="270109962" name="PlaceHolder 2"/>
+          <p:cNvPr id="1325417361" name="PlaceHolder 2"/>
           <p:cNvSpPr>
             <a:spLocks noGrp="1"/>
           </p:cNvSpPr>
@@ -13453,52 +13522,31 @@
                 <a:ea typeface="Nimbus Sans"/>
                 <a:cs typeface="Nimbus Sans"/>
               </a:rPr>
-              <a:t>La traducción más precisa es “un reino y sacerdotes”. Todos los que creen viven en la esfera del dominio de Dios, un reino al cual tienen acceso por fe en Jesucristo. </a:t>
-            </a:r>
-            <a:endParaRPr lang="es-ES" sz="2800" b="0" i="1" u="none" strike="noStrike" cap="none" spc="0">
-              <a:solidFill>
-                <a:srgbClr val="FFFFFF"/>
-              </a:solidFill>
-              <a:latin typeface="Nimbus Sans"/>
-              <a:ea typeface="Nimbus Sans"/>
-              <a:cs typeface="Nimbus Sans"/>
-            </a:endParaRPr>
-          </a:p>
-          <a:p>
-            <a:pPr>
-              <a:defRPr/>
-            </a:pPr>
-            <a:endParaRPr lang="es-ES" sz="2800" b="0" i="1" u="none" strike="noStrike" cap="none" spc="0">
-              <a:solidFill>
-                <a:srgbClr val="FFFFFF"/>
-              </a:solidFill>
-              <a:latin typeface="Times New Roman"/>
-              <a:cs typeface="Times New Roman"/>
-            </a:endParaRPr>
-          </a:p>
-          <a:p>
-            <a:pPr>
-              <a:defRPr/>
-            </a:pPr>
-            <a:r>
-              <a:rPr lang="es-ES" sz="2800" b="0" i="1" u="none" strike="noStrike" cap="none" spc="0">
-                <a:solidFill>
-                  <a:srgbClr val="FFFFFF"/>
+              <a:t>El sacrificio y la muerte de Cristo a favor y en lugar de los pecadores lo hizo digno de tomar el rollo </a:t>
+            </a:r>
+            <a:r>
+              <a:rPr lang="es-ES" sz="2800" b="1" i="1" u="none" strike="noStrike" cap="none" spc="0">
+                <a:solidFill>
+                  <a:srgbClr val="FFA85C"/>
                 </a:solidFill>
                 <a:latin typeface="Nimbus Sans"/>
                 <a:ea typeface="Nimbus Sans"/>
                 <a:cs typeface="Nimbus Sans"/>
               </a:rPr>
-              <a:t>Como sacerdotes, los creyentes tienen el acceso para entrar en la presencia de Dios.</a:t>
-            </a:r>
-            <a:endParaRPr lang="es-ES" sz="2800" b="0" i="1" u="none" strike="noStrike" cap="none" spc="0">
-              <a:solidFill>
-                <a:srgbClr val="FFFFFF"/>
-              </a:solidFill>
-              <a:latin typeface="Nimbus Sans"/>
-              <a:ea typeface="Nimbus Sans"/>
-              <a:cs typeface="Nimbus Sans"/>
-            </a:endParaRPr>
+              <a:t>[1Co 6:20; 1Co 7:23; 2Co 5:21; Gál 3:3; 1Pe 1:18-19; 2Pe 2:1]</a:t>
+            </a:r>
+            <a:r>
+              <a:rPr lang="es-ES" sz="2800" b="0" i="1" u="none" strike="noStrike" cap="none" spc="0">
+                <a:solidFill>
+                  <a:srgbClr val="FFFFFF"/>
+                </a:solidFill>
+                <a:latin typeface="Nimbus Sans"/>
+                <a:ea typeface="Nimbus Sans"/>
+                <a:cs typeface="Nimbus Sans"/>
+              </a:rPr>
+              <a:t>.</a:t>
+            </a:r>
+            <a:endParaRPr/>
           </a:p>
         </p:txBody>
       </p:sp>
@@ -13545,7 +13593,7 @@
       </p:grpSpPr>
       <p:sp>
         <p:nvSpPr>
-          <p:cNvPr id="524804358" name="Marcador de contenido 2"/>
+          <p:cNvPr id="956941905" name="Marcador de contenido 4"/>
           <p:cNvSpPr/>
           <p:nvPr/>
         </p:nvSpPr>
@@ -13574,15 +13622,6 @@
           </a:bodyPr>
           <a:p>
             <a:pPr>
-              <a:lnSpc>
-                <a:spcPct val="90000"/>
-              </a:lnSpc>
-              <a:spcBef>
-                <a:spcPts val="749"/>
-              </a:spcBef>
-              <a:tabLst>
-                <a:tab pos="0" algn="l"/>
-              </a:tabLst>
               <a:defRPr/>
             </a:pPr>
             <a:endParaRPr lang="en-US" sz="1800" b="0" strike="noStrike" spc="0">
@@ -13597,7 +13636,7 @@
       </p:sp>
       <p:sp>
         <p:nvSpPr>
-          <p:cNvPr id="372539311" name="PlaceHolder 1"/>
+          <p:cNvPr id="1513351765" name="PlaceHolder 1"/>
           <p:cNvSpPr>
             <a:spLocks noGrp="1"/>
           </p:cNvSpPr>
@@ -13607,8 +13646,8 @@
         </p:nvSpPr>
         <p:spPr bwMode="auto">
           <a:xfrm>
-            <a:off x="503280" y="369720"/>
-            <a:ext cx="9068760" cy="946440"/>
+            <a:off x="503280" y="439560"/>
+            <a:ext cx="9068760" cy="1094760"/>
           </a:xfrm>
           <a:prstGeom prst="rect">
             <a:avLst/>
@@ -13623,7 +13662,7 @@
             <a:noAutofit/>
           </a:bodyPr>
           <a:p>
-            <a:pPr indent="0" algn="ctr">
+            <a:pPr indent="0">
               <a:lnSpc>
                 <a:spcPct val="100000"/>
               </a:lnSpc>
@@ -13631,24 +13670,62 @@
               <a:defRPr/>
             </a:pPr>
             <a:r>
-              <a:rPr lang="es-ES" sz="5400" b="1" strike="noStrike" spc="0">
+              <a:rPr lang="es-ES" sz="5400" b="1" i="0" u="none" strike="noStrike" cap="none" spc="0">
                 <a:solidFill>
                   <a:srgbClr val="FFFFFF"/>
                 </a:solidFill>
                 <a:latin typeface="Nimbus Sans"/>
+                <a:ea typeface="Nimbus Sans"/>
+                <a:cs typeface="Nimbus Sans"/>
               </a:rPr>
               <a:t>Apocalípsis </a:t>
             </a:r>
             <a:r>
-              <a:rPr lang="es-ES" sz="5400" b="1" strike="noStrike" spc="0">
+              <a:rPr lang="es-ES" sz="5400" b="1" i="0" u="none" strike="noStrike" cap="none" spc="0">
                 <a:solidFill>
                   <a:srgbClr val="FFFFFF"/>
                 </a:solidFill>
                 <a:latin typeface="Nimbus Sans"/>
+                <a:ea typeface="Nimbus Sans"/>
+                <a:cs typeface="Nimbus Sans"/>
               </a:rPr>
               <a:t>5:10</a:t>
             </a:r>
-            <a:endParaRPr lang="es-ES" sz="5400" b="0" strike="noStrike" spc="0">
+            <a:br>
+              <a:rPr sz="5400"/>
+            </a:br>
+            <a:r>
+              <a:rPr lang="es-ES" sz="2800" b="1" i="1" u="none" strike="noStrike" cap="none" spc="0">
+                <a:solidFill>
+                  <a:srgbClr val="FFA85C"/>
+                </a:solidFill>
+                <a:latin typeface="Nimbus Sans"/>
+                <a:ea typeface="Nimbus Sans"/>
+                <a:cs typeface="Nimbus Sans"/>
+              </a:rPr>
+              <a:t>reyes y sacerdotes</a:t>
+            </a:r>
+            <a:r>
+              <a:rPr lang="en-US" sz="2800" b="0" strike="noStrike" spc="0">
+                <a:solidFill>
+                  <a:srgbClr val="FFFFFF"/>
+                </a:solidFill>
+                <a:latin typeface="Nimbus Sans"/>
+              </a:rPr>
+              <a:t> </a:t>
+            </a:r>
+            <a:r>
+              <a:rPr lang="es-ES" sz="2800" b="1" i="1" u="none" strike="noStrike" cap="none" spc="0">
+                <a:solidFill>
+                  <a:srgbClr val="FFA85C"/>
+                </a:solidFill>
+                <a:latin typeface="Nimbus Sans"/>
+                <a:ea typeface="Nimbus Sans"/>
+                <a:cs typeface="Nimbus Sans"/>
+              </a:rPr>
+              <a:t>... reinaremos sobre la tierra</a:t>
+            </a:r>
+            <a:endParaRPr lang="en-US" sz="2800" b="0" strike="noStrike" spc="0">
               <a:solidFill>
                 <a:srgbClr val="FFFFFF"/>
               </a:solidFill>
@@ -13659,7 +13736,7 @@
       </p:sp>
       <p:sp>
         <p:nvSpPr>
-          <p:cNvPr id="1660624759" name="PlaceHolder 2"/>
+          <p:cNvPr id="270109962" name="PlaceHolder 2"/>
           <p:cNvSpPr>
             <a:spLocks noGrp="1"/>
           </p:cNvSpPr>
@@ -13669,8 +13746,8 @@
         </p:nvSpPr>
         <p:spPr bwMode="auto">
           <a:xfrm>
-            <a:off x="503280" y="1397880"/>
-            <a:ext cx="9068760" cy="3287880"/>
+            <a:off x="503280" y="1600200"/>
+            <a:ext cx="9068760" cy="3657600"/>
           </a:xfrm>
           <a:prstGeom prst="rect">
             <a:avLst/>
@@ -13685,70 +13762,63 @@
             <a:noAutofit/>
           </a:bodyPr>
           <a:p>
-            <a:pPr indent="0">
-              <a:buNone/>
-              <a:defRPr/>
-            </a:pPr>
-            <a:r>
-              <a:rPr lang="es-ES" sz="3200" b="0" i="1" u="none" strike="noStrike" cap="none" spc="0">
-                <a:solidFill>
-                  <a:schemeClr val="bg1"/>
+            <a:pPr>
+              <a:defRPr/>
+            </a:pPr>
+            <a:r>
+              <a:rPr lang="es-ES" sz="2800" b="0" i="1" u="none" strike="noStrike" cap="none" spc="0">
+                <a:solidFill>
+                  <a:srgbClr val="FFFFFF"/>
                 </a:solidFill>
                 <a:latin typeface="Nimbus Sans"/>
                 <a:ea typeface="Nimbus Sans"/>
                 <a:cs typeface="Nimbus Sans"/>
               </a:rPr>
-              <a:t>y nos has hecho para nuestro Dios </a:t>
-            </a:r>
-            <a:r>
-              <a:rPr lang="es-ES" sz="3200" b="1" i="1" u="none" strike="noStrike" cap="none" spc="0">
-                <a:solidFill>
-                  <a:srgbClr val="FFA85C"/>
+              <a:t>La traducción más precisa es “un reino y sacerdotes”. Todos los que creen viven en la esfera del dominio de Dios, un reino al cual tienen acceso por fe en Jesucristo. </a:t>
+            </a:r>
+            <a:endParaRPr lang="es-ES" sz="2800" b="0" i="1" u="none" strike="noStrike" cap="none" spc="0">
+              <a:solidFill>
+                <a:srgbClr val="FFFFFF"/>
+              </a:solidFill>
+              <a:latin typeface="Nimbus Sans"/>
+              <a:ea typeface="Nimbus Sans"/>
+              <a:cs typeface="Nimbus Sans"/>
+            </a:endParaRPr>
+          </a:p>
+          <a:p>
+            <a:pPr>
+              <a:defRPr/>
+            </a:pPr>
+            <a:endParaRPr lang="es-ES" sz="2800" b="0" i="1" u="none" strike="noStrike" cap="none" spc="0">
+              <a:solidFill>
+                <a:srgbClr val="FFFFFF"/>
+              </a:solidFill>
+              <a:latin typeface="Times New Roman"/>
+              <a:cs typeface="Times New Roman"/>
+            </a:endParaRPr>
+          </a:p>
+          <a:p>
+            <a:pPr>
+              <a:defRPr/>
+            </a:pPr>
+            <a:r>
+              <a:rPr lang="es-ES" sz="2800" b="0" i="1" u="none" strike="noStrike" cap="none" spc="0">
+                <a:solidFill>
+                  <a:srgbClr val="FFFFFF"/>
                 </a:solidFill>
                 <a:latin typeface="Nimbus Sans"/>
                 <a:ea typeface="Nimbus Sans"/>
                 <a:cs typeface="Nimbus Sans"/>
               </a:rPr>
-              <a:t>reyes y sacerdotes</a:t>
-            </a:r>
-            <a:r>
-              <a:rPr lang="es-ES" sz="3200" b="0" i="1" u="none" strike="noStrike" cap="none" spc="0">
-                <a:solidFill>
-                  <a:schemeClr val="bg1"/>
-                </a:solidFill>
-                <a:latin typeface="Nimbus Sans"/>
-                <a:ea typeface="Nimbus Sans"/>
-                <a:cs typeface="Nimbus Sans"/>
-              </a:rPr>
-              <a:t>, y </a:t>
-            </a:r>
-            <a:r>
-              <a:rPr lang="es-ES" sz="3200" b="1" i="1" u="none" strike="noStrike" cap="none" spc="0">
-                <a:solidFill>
-                  <a:srgbClr val="FFA85C"/>
-                </a:solidFill>
-                <a:latin typeface="Nimbus Sans"/>
-                <a:ea typeface="Nimbus Sans"/>
-                <a:cs typeface="Nimbus Sans"/>
-              </a:rPr>
-              <a:t>reinaremos sobre la tierra</a:t>
-            </a:r>
-            <a:r>
-              <a:rPr lang="es-ES" sz="3200" b="0" i="1" u="none" strike="noStrike" cap="none" spc="0">
-                <a:solidFill>
-                  <a:schemeClr val="bg1"/>
-                </a:solidFill>
-                <a:latin typeface="Nimbus Sans"/>
-                <a:ea typeface="Nimbus Sans"/>
-                <a:cs typeface="Nimbus Sans"/>
-              </a:rPr>
-              <a:t>.</a:t>
-            </a:r>
-            <a:endParaRPr sz="3200" b="0" strike="noStrike" spc="0">
-              <a:solidFill>
-                <a:schemeClr val="bg1"/>
-              </a:solidFill>
-              <a:latin typeface="Nimbus Sans"/>
+              <a:t>Como sacerdotes, los creyentes tienen el acceso para entrar en la presencia de Dios.</a:t>
+            </a:r>
+            <a:endParaRPr lang="es-ES" sz="2800" b="0" i="1" u="none" strike="noStrike" cap="none" spc="0">
+              <a:solidFill>
+                <a:srgbClr val="FFFFFF"/>
+              </a:solidFill>
+              <a:latin typeface="Nimbus Sans"/>
+              <a:ea typeface="Nimbus Sans"/>
+              <a:cs typeface="Nimbus Sans"/>
             </a:endParaRPr>
           </a:p>
         </p:txBody>
@@ -13796,7 +13866,7 @@
       </p:grpSpPr>
       <p:sp>
         <p:nvSpPr>
-          <p:cNvPr id="2010825299" name="Marcador de contenido 2"/>
+          <p:cNvPr id="524804358" name="Marcador de contenido 2"/>
           <p:cNvSpPr/>
           <p:nvPr/>
         </p:nvSpPr>
@@ -13848,7 +13918,7 @@
       </p:sp>
       <p:sp>
         <p:nvSpPr>
-          <p:cNvPr id="676584585" name="PlaceHolder 1"/>
+          <p:cNvPr id="372539311" name="PlaceHolder 1"/>
           <p:cNvSpPr>
             <a:spLocks noGrp="1"/>
           </p:cNvSpPr>
@@ -13897,7 +13967,7 @@
                 </a:solidFill>
                 <a:latin typeface="Nimbus Sans"/>
               </a:rPr>
-              <a:t>5:11</a:t>
+              <a:t>5:10</a:t>
             </a:r>
             <a:endParaRPr lang="es-ES" sz="5400" b="0" strike="noStrike" spc="0">
               <a:solidFill>
@@ -13910,7 +13980,7 @@
       </p:sp>
       <p:sp>
         <p:nvSpPr>
-          <p:cNvPr id="1112974210" name="PlaceHolder 2"/>
+          <p:cNvPr id="1660624759" name="PlaceHolder 2"/>
           <p:cNvSpPr>
             <a:spLocks noGrp="1"/>
           </p:cNvSpPr>
@@ -13949,7 +14019,7 @@
                 <a:ea typeface="Nimbus Sans"/>
                 <a:cs typeface="Nimbus Sans"/>
               </a:rPr>
-              <a:t>Y miré, y oí la voz de muchos ángeles alrededor del trono, y de los seres vivientes, y de los ancianos; y su número era «</a:t>
+              <a:t>y nos has hecho para nuestro Dios </a:t>
             </a:r>
             <a:r>
               <a:rPr lang="es-ES" sz="3200" b="1" i="1" u="none" strike="noStrike" cap="none" spc="0">
@@ -13960,7 +14030,7 @@
                 <a:ea typeface="Nimbus Sans"/>
                 <a:cs typeface="Nimbus Sans"/>
               </a:rPr>
-              <a:t>millones de millones</a:t>
+              <a:t>reyes y sacerdotes</a:t>
             </a:r>
             <a:r>
               <a:rPr lang="es-ES" sz="3200" b="0" i="1" u="none" strike="noStrike" cap="none" spc="0">
@@ -13971,7 +14041,29 @@
                 <a:ea typeface="Nimbus Sans"/>
                 <a:cs typeface="Nimbus Sans"/>
               </a:rPr>
-              <a:t>,</a:t>
+              <a:t>, y </a:t>
+            </a:r>
+            <a:r>
+              <a:rPr lang="es-ES" sz="3200" b="1" i="1" u="none" strike="noStrike" cap="none" spc="0">
+                <a:solidFill>
+                  <a:srgbClr val="FFA85C"/>
+                </a:solidFill>
+                <a:latin typeface="Nimbus Sans"/>
+                <a:ea typeface="Nimbus Sans"/>
+                <a:cs typeface="Nimbus Sans"/>
+              </a:rPr>
+              <a:t>reinaremos sobre la tierra</a:t>
+            </a:r>
+            <a:r>
+              <a:rPr lang="es-ES" sz="3200" b="0" i="1" u="none" strike="noStrike" cap="none" spc="0">
+                <a:solidFill>
+                  <a:schemeClr val="bg1"/>
+                </a:solidFill>
+                <a:latin typeface="Nimbus Sans"/>
+                <a:ea typeface="Nimbus Sans"/>
+                <a:cs typeface="Nimbus Sans"/>
+              </a:rPr>
+              <a:t>.</a:t>
             </a:r>
             <a:endParaRPr sz="3200" b="0" strike="noStrike" spc="0">
               <a:solidFill>
@@ -14025,7 +14117,7 @@
       </p:grpSpPr>
       <p:sp>
         <p:nvSpPr>
-          <p:cNvPr id="949767947" name="Marcador de contenido 4"/>
+          <p:cNvPr id="2010825299" name="Marcador de contenido 2"/>
           <p:cNvSpPr/>
           <p:nvPr/>
         </p:nvSpPr>
@@ -14054,6 +14146,15 @@
           </a:bodyPr>
           <a:p>
             <a:pPr>
+              <a:lnSpc>
+                <a:spcPct val="90000"/>
+              </a:lnSpc>
+              <a:spcBef>
+                <a:spcPts val="749"/>
+              </a:spcBef>
+              <a:tabLst>
+                <a:tab pos="0" algn="l"/>
+              </a:tabLst>
               <a:defRPr/>
             </a:pPr>
             <a:endParaRPr lang="en-US" sz="1800" b="0" strike="noStrike" spc="0">
@@ -14068,7 +14169,7 @@
       </p:sp>
       <p:sp>
         <p:nvSpPr>
-          <p:cNvPr id="703435167" name="PlaceHolder 1"/>
+          <p:cNvPr id="676584585" name="PlaceHolder 1"/>
           <p:cNvSpPr>
             <a:spLocks noGrp="1"/>
           </p:cNvSpPr>
@@ -14078,8 +14179,8 @@
         </p:nvSpPr>
         <p:spPr bwMode="auto">
           <a:xfrm>
-            <a:off x="503280" y="439560"/>
-            <a:ext cx="9068760" cy="1094760"/>
+            <a:off x="503280" y="369720"/>
+            <a:ext cx="9068760" cy="946440"/>
           </a:xfrm>
           <a:prstGeom prst="rect">
             <a:avLst/>
@@ -14094,7 +14195,7 @@
             <a:noAutofit/>
           </a:bodyPr>
           <a:p>
-            <a:pPr indent="0">
+            <a:pPr indent="0" algn="ctr">
               <a:lnSpc>
                 <a:spcPct val="100000"/>
               </a:lnSpc>
@@ -14102,42 +14203,24 @@
               <a:defRPr/>
             </a:pPr>
             <a:r>
-              <a:rPr lang="es-ES" sz="5400" b="1" i="0" u="none" strike="noStrike" cap="none" spc="0">
+              <a:rPr lang="es-ES" sz="5400" b="1" strike="noStrike" spc="0">
                 <a:solidFill>
                   <a:srgbClr val="FFFFFF"/>
                 </a:solidFill>
                 <a:latin typeface="Nimbus Sans"/>
-                <a:ea typeface="Nimbus Sans"/>
-                <a:cs typeface="Nimbus Sans"/>
               </a:rPr>
               <a:t>Apocalípsis </a:t>
             </a:r>
             <a:r>
-              <a:rPr lang="es-ES" sz="5400" b="1" i="0" u="none" strike="noStrike" cap="none" spc="0">
+              <a:rPr lang="es-ES" sz="5400" b="1" strike="noStrike" spc="0">
                 <a:solidFill>
                   <a:srgbClr val="FFFFFF"/>
                 </a:solidFill>
                 <a:latin typeface="Nimbus Sans"/>
-                <a:ea typeface="Nimbus Sans"/>
-                <a:cs typeface="Nimbus Sans"/>
-              </a:rPr>
-              <a:t>5:10</a:t>
-            </a:r>
-            <a:br>
-              <a:rPr sz="5400"/>
-            </a:br>
-            <a:r>
-              <a:rPr lang="es-ES" sz="2800" b="1" i="1" u="none" strike="noStrike" cap="none" spc="0">
-                <a:solidFill>
-                  <a:srgbClr val="FFA85C"/>
-                </a:solidFill>
-                <a:latin typeface="Nimbus Sans"/>
-                <a:ea typeface="Nimbus Sans"/>
-                <a:cs typeface="Nimbus Sans"/>
-              </a:rPr>
-              <a:t>millones de millones</a:t>
-            </a:r>
-            <a:endParaRPr lang="en-US" sz="2800" b="0" strike="noStrike" spc="0">
+              </a:rPr>
+              <a:t>5:11</a:t>
+            </a:r>
+            <a:endParaRPr lang="es-ES" sz="5400" b="0" strike="noStrike" spc="0">
               <a:solidFill>
                 <a:srgbClr val="FFFFFF"/>
               </a:solidFill>
@@ -14148,7 +14231,7 @@
       </p:sp>
       <p:sp>
         <p:nvSpPr>
-          <p:cNvPr id="2032574783" name="PlaceHolder 2"/>
+          <p:cNvPr id="1112974210" name="PlaceHolder 2"/>
           <p:cNvSpPr>
             <a:spLocks noGrp="1"/>
           </p:cNvSpPr>
@@ -14158,8 +14241,8 @@
         </p:nvSpPr>
         <p:spPr bwMode="auto">
           <a:xfrm>
-            <a:off x="503280" y="1600200"/>
-            <a:ext cx="9068760" cy="3657600"/>
+            <a:off x="503280" y="1397880"/>
+            <a:ext cx="9068760" cy="3287880"/>
           </a:xfrm>
           <a:prstGeom prst="rect">
             <a:avLst/>
@@ -14174,86 +14257,48 @@
             <a:noAutofit/>
           </a:bodyPr>
           <a:p>
-            <a:pPr>
-              <a:defRPr/>
-            </a:pPr>
-            <a:r>
-              <a:rPr lang="es-ES" sz="2800" b="0" i="1" u="none" strike="noStrike" cap="none" spc="0">
-                <a:solidFill>
-                  <a:srgbClr val="FFFFFF"/>
+            <a:pPr indent="0">
+              <a:buNone/>
+              <a:defRPr/>
+            </a:pPr>
+            <a:r>
+              <a:rPr lang="es-ES" sz="3200" b="0" i="1" u="none" strike="noStrike" cap="none" spc="0">
+                <a:solidFill>
+                  <a:schemeClr val="bg1"/>
                 </a:solidFill>
                 <a:latin typeface="Nimbus Sans"/>
                 <a:ea typeface="Nimbus Sans"/>
                 <a:cs typeface="Nimbus Sans"/>
               </a:rPr>
-              <a:t>Literalmente “miríadas de miríadas”.</a:t>
-            </a:r>
-            <a:endParaRPr lang="es-ES" sz="2800" b="0" i="1" u="none" strike="noStrike" cap="none" spc="0">
-              <a:solidFill>
-                <a:srgbClr val="FFFFFF"/>
-              </a:solidFill>
-              <a:latin typeface="Nimbus Sans"/>
-              <a:ea typeface="Nimbus Sans"/>
-              <a:cs typeface="Nimbus Sans"/>
-            </a:endParaRPr>
-          </a:p>
-          <a:p>
-            <a:pPr>
-              <a:defRPr/>
-            </a:pPr>
-            <a:endParaRPr lang="es-ES" sz="2800" b="0" i="1" u="none" strike="noStrike" cap="none" spc="0">
-              <a:solidFill>
-                <a:srgbClr val="FFFFFF"/>
-              </a:solidFill>
-              <a:latin typeface="Nimbus Sans"/>
-              <a:ea typeface="Nimbus Sans"/>
-              <a:cs typeface="Nimbus Sans"/>
-            </a:endParaRPr>
-          </a:p>
-          <a:p>
-            <a:pPr>
-              <a:defRPr/>
-            </a:pPr>
-            <a:r>
-              <a:rPr lang="es-ES" sz="2800" b="0" i="1" u="none" strike="noStrike" cap="none" spc="0">
-                <a:solidFill>
-                  <a:srgbClr val="FFFFFF"/>
+              <a:t>Y miré, y oí la voz de muchos ángeles alrededor del trono, y de los seres vivientes, y de los ancianos; y su número era «</a:t>
+            </a:r>
+            <a:r>
+              <a:rPr lang="es-ES" sz="3200" b="1" i="1" u="none" strike="noStrike" cap="none" spc="0">
+                <a:solidFill>
+                  <a:srgbClr val="FFA85C"/>
                 </a:solidFill>
                 <a:latin typeface="Nimbus Sans"/>
                 <a:ea typeface="Nimbus Sans"/>
                 <a:cs typeface="Nimbus Sans"/>
               </a:rPr>
-              <a:t>El número expresa una cantidad que no puede siquiera calcularse. La expresión griega también puede traducirse “innumerable” </a:t>
-            </a:r>
-            <a:r>
-              <a:rPr lang="es-ES" sz="2800" b="1" i="1" u="none" strike="noStrike" cap="none" spc="0">
-                <a:solidFill>
-                  <a:srgbClr val="FFA85C"/>
+              <a:t>millones de millones</a:t>
+            </a:r>
+            <a:r>
+              <a:rPr lang="es-ES" sz="3200" b="0" i="1" u="none" strike="noStrike" cap="none" spc="0">
+                <a:solidFill>
+                  <a:schemeClr val="bg1"/>
                 </a:solidFill>
                 <a:latin typeface="Nimbus Sans"/>
                 <a:ea typeface="Nimbus Sans"/>
                 <a:cs typeface="Nimbus Sans"/>
               </a:rPr>
-              <a:t>[Luc 12:1; Heb 12:22]</a:t>
-            </a:r>
-            <a:r>
-              <a:rPr lang="es-ES" sz="2800" b="0" i="1" u="none" strike="noStrike" cap="none" spc="0">
-                <a:solidFill>
-                  <a:srgbClr val="FFFFFF"/>
-                </a:solidFill>
-                <a:latin typeface="Nimbus Sans"/>
-                <a:ea typeface="Nimbus Sans"/>
-                <a:cs typeface="Nimbus Sans"/>
-              </a:rPr>
-              <a:t>.</a:t>
-            </a:r>
-            <a:endParaRPr lang="es-ES" sz="2800" b="0" i="1" u="none" strike="noStrike" cap="none" spc="0">
-              <a:solidFill>
-                <a:srgbClr val="FFFFFF"/>
-              </a:solidFill>
-              <a:latin typeface="Nimbus Sans"/>
-              <a:ea typeface="Nimbus Sans"/>
-              <a:cs typeface="Nimbus Sans"/>
+              <a:t>,</a:t>
+            </a:r>
+            <a:endParaRPr sz="3200" b="0" strike="noStrike" spc="0">
+              <a:solidFill>
+                <a:schemeClr val="bg1"/>
+              </a:solidFill>
+              <a:latin typeface="Nimbus Sans"/>
             </a:endParaRPr>
           </a:p>
         </p:txBody>
@@ -14301,7 +14346,7 @@
       </p:grpSpPr>
       <p:sp>
         <p:nvSpPr>
-          <p:cNvPr id="340144936" name="Marcador de contenido 2"/>
+          <p:cNvPr id="949767947" name="Marcador de contenido 4"/>
           <p:cNvSpPr/>
           <p:nvPr/>
         </p:nvSpPr>
@@ -14330,15 +14375,6 @@
           </a:bodyPr>
           <a:p>
             <a:pPr>
-              <a:lnSpc>
-                <a:spcPct val="90000"/>
-              </a:lnSpc>
-              <a:spcBef>
-                <a:spcPts val="749"/>
-              </a:spcBef>
-              <a:tabLst>
-                <a:tab pos="0" algn="l"/>
-              </a:tabLst>
               <a:defRPr/>
             </a:pPr>
             <a:endParaRPr lang="en-US" sz="1800" b="0" strike="noStrike" spc="0">
@@ -14353,7 +14389,7 @@
       </p:sp>
       <p:sp>
         <p:nvSpPr>
-          <p:cNvPr id="1867182994" name="PlaceHolder 1"/>
+          <p:cNvPr id="703435167" name="PlaceHolder 1"/>
           <p:cNvSpPr>
             <a:spLocks noGrp="1"/>
           </p:cNvSpPr>
@@ -14363,8 +14399,8 @@
         </p:nvSpPr>
         <p:spPr bwMode="auto">
           <a:xfrm>
-            <a:off x="503280" y="369720"/>
-            <a:ext cx="9068760" cy="946440"/>
+            <a:off x="503280" y="439560"/>
+            <a:ext cx="9068760" cy="1094760"/>
           </a:xfrm>
           <a:prstGeom prst="rect">
             <a:avLst/>
@@ -14379,7 +14415,7 @@
             <a:noAutofit/>
           </a:bodyPr>
           <a:p>
-            <a:pPr indent="0" algn="ctr">
+            <a:pPr indent="0">
               <a:lnSpc>
                 <a:spcPct val="100000"/>
               </a:lnSpc>
@@ -14387,24 +14423,42 @@
               <a:defRPr/>
             </a:pPr>
             <a:r>
-              <a:rPr lang="es-ES" sz="5400" b="1" strike="noStrike" spc="0">
+              <a:rPr lang="es-ES" sz="5400" b="1" i="0" u="none" strike="noStrike" cap="none" spc="0">
                 <a:solidFill>
                   <a:srgbClr val="FFFFFF"/>
                 </a:solidFill>
                 <a:latin typeface="Nimbus Sans"/>
+                <a:ea typeface="Nimbus Sans"/>
+                <a:cs typeface="Nimbus Sans"/>
               </a:rPr>
               <a:t>Apocalípsis </a:t>
             </a:r>
             <a:r>
-              <a:rPr lang="es-ES" sz="5400" b="1" strike="noStrike" spc="0">
+              <a:rPr lang="es-ES" sz="5400" b="1" i="0" u="none" strike="noStrike" cap="none" spc="0">
                 <a:solidFill>
                   <a:srgbClr val="FFFFFF"/>
                 </a:solidFill>
                 <a:latin typeface="Nimbus Sans"/>
-              </a:rPr>
-              <a:t>5:12</a:t>
-            </a:r>
-            <a:endParaRPr lang="es-ES" sz="5400" b="0" strike="noStrike" spc="0">
+                <a:ea typeface="Nimbus Sans"/>
+                <a:cs typeface="Nimbus Sans"/>
+              </a:rPr>
+              <a:t>5:10</a:t>
+            </a:r>
+            <a:br>
+              <a:rPr sz="5400"/>
+            </a:br>
+            <a:r>
+              <a:rPr lang="es-ES" sz="2800" b="1" i="1" u="none" strike="noStrike" cap="none" spc="0">
+                <a:solidFill>
+                  <a:srgbClr val="FFA85C"/>
+                </a:solidFill>
+                <a:latin typeface="Nimbus Sans"/>
+                <a:ea typeface="Nimbus Sans"/>
+                <a:cs typeface="Nimbus Sans"/>
+              </a:rPr>
+              <a:t>millones de millones</a:t>
+            </a:r>
+            <a:endParaRPr lang="en-US" sz="2800" b="0" strike="noStrike" spc="0">
               <a:solidFill>
                 <a:srgbClr val="FFFFFF"/>
               </a:solidFill>
@@ -14415,7 +14469,7 @@
       </p:sp>
       <p:sp>
         <p:nvSpPr>
-          <p:cNvPr id="607321242" name="PlaceHolder 2"/>
+          <p:cNvPr id="2032574783" name="PlaceHolder 2"/>
           <p:cNvSpPr>
             <a:spLocks noGrp="1"/>
           </p:cNvSpPr>
@@ -14425,8 +14479,8 @@
         </p:nvSpPr>
         <p:spPr bwMode="auto">
           <a:xfrm>
-            <a:off x="503280" y="1397880"/>
-            <a:ext cx="9068760" cy="3287880"/>
+            <a:off x="503280" y="1600200"/>
+            <a:ext cx="9068760" cy="3657600"/>
           </a:xfrm>
           <a:prstGeom prst="rect">
             <a:avLst/>
@@ -14441,48 +14495,86 @@
             <a:noAutofit/>
           </a:bodyPr>
           <a:p>
-            <a:pPr indent="0">
-              <a:buNone/>
-              <a:defRPr/>
-            </a:pPr>
-            <a:r>
-              <a:rPr lang="es-ES" sz="3200" b="0" i="1" u="none" strike="noStrike" cap="none" spc="0">
-                <a:solidFill>
-                  <a:schemeClr val="bg1"/>
+            <a:pPr>
+              <a:defRPr/>
+            </a:pPr>
+            <a:r>
+              <a:rPr lang="es-ES" sz="2800" b="0" i="1" u="none" strike="noStrike" cap="none" spc="0">
+                <a:solidFill>
+                  <a:srgbClr val="FFFFFF"/>
                 </a:solidFill>
                 <a:latin typeface="Nimbus Sans"/>
                 <a:ea typeface="Nimbus Sans"/>
                 <a:cs typeface="Nimbus Sans"/>
               </a:rPr>
-              <a:t>que decían a gran voz: El Cordero que fue inmolado es digno de tomar el </a:t>
-            </a:r>
-            <a:r>
-              <a:rPr lang="es-ES" sz="3200" b="1" i="1" u="none" strike="noStrike" cap="none" spc="0">
-                <a:solidFill>
-                  <a:srgbClr val="FFA85C"/>
+              <a:t>Literalmente “miríadas de miríadas”.</a:t>
+            </a:r>
+            <a:endParaRPr lang="es-ES" sz="2800" b="0" i="1" u="none" strike="noStrike" cap="none" spc="0">
+              <a:solidFill>
+                <a:srgbClr val="FFFFFF"/>
+              </a:solidFill>
+              <a:latin typeface="Nimbus Sans"/>
+              <a:ea typeface="Nimbus Sans"/>
+              <a:cs typeface="Nimbus Sans"/>
+            </a:endParaRPr>
+          </a:p>
+          <a:p>
+            <a:pPr>
+              <a:defRPr/>
+            </a:pPr>
+            <a:endParaRPr lang="es-ES" sz="2800" b="0" i="1" u="none" strike="noStrike" cap="none" spc="0">
+              <a:solidFill>
+                <a:srgbClr val="FFFFFF"/>
+              </a:solidFill>
+              <a:latin typeface="Nimbus Sans"/>
+              <a:ea typeface="Nimbus Sans"/>
+              <a:cs typeface="Nimbus Sans"/>
+            </a:endParaRPr>
+          </a:p>
+          <a:p>
+            <a:pPr>
+              <a:defRPr/>
+            </a:pPr>
+            <a:r>
+              <a:rPr lang="es-ES" sz="2800" b="0" i="1" u="none" strike="noStrike" cap="none" spc="0">
+                <a:solidFill>
+                  <a:srgbClr val="FFFFFF"/>
                 </a:solidFill>
                 <a:latin typeface="Nimbus Sans"/>
                 <a:ea typeface="Nimbus Sans"/>
                 <a:cs typeface="Nimbus Sans"/>
               </a:rPr>
-              <a:t>poder, las riquezas, la sabiduría, la fortaleza, la honra, la gloria y la alabanza</a:t>
-            </a:r>
-            <a:r>
-              <a:rPr lang="es-ES" sz="3200" b="0" i="1" u="none" strike="noStrike" cap="none" spc="0">
-                <a:solidFill>
-                  <a:schemeClr val="bg1"/>
+              <a:t>El número expresa una cantidad que no puede siquiera calcularse. La expresión griega también puede traducirse “innumerable” </a:t>
+            </a:r>
+            <a:r>
+              <a:rPr lang="es-ES" sz="2800" b="1" i="1" u="none" strike="noStrike" cap="none" spc="0">
+                <a:solidFill>
+                  <a:srgbClr val="FFA85C"/>
                 </a:solidFill>
                 <a:latin typeface="Nimbus Sans"/>
                 <a:ea typeface="Nimbus Sans"/>
                 <a:cs typeface="Nimbus Sans"/>
               </a:rPr>
+              <a:t>[Luc 12:1; Heb 12:22]</a:t>
+            </a:r>
+            <a:r>
+              <a:rPr lang="es-ES" sz="2800" b="0" i="1" u="none" strike="noStrike" cap="none" spc="0">
+                <a:solidFill>
+                  <a:srgbClr val="FFFFFF"/>
+                </a:solidFill>
+                <a:latin typeface="Nimbus Sans"/>
+                <a:ea typeface="Nimbus Sans"/>
+                <a:cs typeface="Nimbus Sans"/>
+              </a:rPr>
               <a:t>.</a:t>
             </a:r>
-            <a:endParaRPr sz="3200" b="0" strike="noStrike" spc="0">
-              <a:solidFill>
-                <a:schemeClr val="bg1"/>
-              </a:solidFill>
-              <a:latin typeface="Nimbus Sans"/>
+            <a:endParaRPr lang="es-ES" sz="2800" b="0" i="1" u="none" strike="noStrike" cap="none" spc="0">
+              <a:solidFill>
+                <a:srgbClr val="FFFFFF"/>
+              </a:solidFill>
+              <a:latin typeface="Nimbus Sans"/>
+              <a:ea typeface="Nimbus Sans"/>
+              <a:cs typeface="Nimbus Sans"/>
             </a:endParaRPr>
           </a:p>
         </p:txBody>
@@ -14530,7 +14622,7 @@
       </p:grpSpPr>
       <p:sp>
         <p:nvSpPr>
-          <p:cNvPr id="1592883533" name="Marcador de contenido 4"/>
+          <p:cNvPr id="340144936" name="Marcador de contenido 2"/>
           <p:cNvSpPr/>
           <p:nvPr/>
         </p:nvSpPr>
@@ -14559,6 +14651,15 @@
           </a:bodyPr>
           <a:p>
             <a:pPr>
+              <a:lnSpc>
+                <a:spcPct val="90000"/>
+              </a:lnSpc>
+              <a:spcBef>
+                <a:spcPts val="749"/>
+              </a:spcBef>
+              <a:tabLst>
+                <a:tab pos="0" algn="l"/>
+              </a:tabLst>
               <a:defRPr/>
             </a:pPr>
             <a:endParaRPr lang="en-US" sz="1800" b="0" strike="noStrike" spc="0">
@@ -14573,7 +14674,7 @@
       </p:sp>
       <p:sp>
         <p:nvSpPr>
-          <p:cNvPr id="668308213" name="PlaceHolder 1"/>
+          <p:cNvPr id="1867182994" name="PlaceHolder 1"/>
           <p:cNvSpPr>
             <a:spLocks noGrp="1"/>
           </p:cNvSpPr>
@@ -14583,8 +14684,8 @@
         </p:nvSpPr>
         <p:spPr bwMode="auto">
           <a:xfrm>
-            <a:off x="503280" y="439560"/>
-            <a:ext cx="9068760" cy="1094760"/>
+            <a:off x="503280" y="369720"/>
+            <a:ext cx="9068760" cy="946440"/>
           </a:xfrm>
           <a:prstGeom prst="rect">
             <a:avLst/>
@@ -14599,7 +14700,7 @@
             <a:noAutofit/>
           </a:bodyPr>
           <a:p>
-            <a:pPr indent="0">
+            <a:pPr indent="0" algn="ctr">
               <a:lnSpc>
                 <a:spcPct val="100000"/>
               </a:lnSpc>
@@ -14607,42 +14708,24 @@
               <a:defRPr/>
             </a:pPr>
             <a:r>
-              <a:rPr lang="es-ES" sz="5400" b="1" i="0" u="none" strike="noStrike" cap="none" spc="0">
+              <a:rPr lang="es-ES" sz="5400" b="1" strike="noStrike" spc="0">
                 <a:solidFill>
                   <a:srgbClr val="FFFFFF"/>
                 </a:solidFill>
                 <a:latin typeface="Nimbus Sans"/>
-                <a:ea typeface="Nimbus Sans"/>
-                <a:cs typeface="Nimbus Sans"/>
               </a:rPr>
               <a:t>Apocalípsis </a:t>
             </a:r>
             <a:r>
-              <a:rPr lang="es-ES" sz="5400" b="1" i="0" u="none" strike="noStrike" cap="none" spc="0">
+              <a:rPr lang="es-ES" sz="5400" b="1" strike="noStrike" spc="0">
                 <a:solidFill>
                   <a:srgbClr val="FFFFFF"/>
                 </a:solidFill>
                 <a:latin typeface="Nimbus Sans"/>
-                <a:ea typeface="Nimbus Sans"/>
-                <a:cs typeface="Nimbus Sans"/>
               </a:rPr>
               <a:t>5:12</a:t>
             </a:r>
-            <a:br>
-              <a:rPr sz="5400"/>
-            </a:br>
-            <a:r>
-              <a:rPr lang="es-ES" sz="2800" b="1" i="1" u="none" strike="noStrike" cap="none" spc="0">
-                <a:solidFill>
-                  <a:srgbClr val="FFA85C"/>
-                </a:solidFill>
-                <a:latin typeface="Nimbus Sans"/>
-                <a:ea typeface="Nimbus Sans"/>
-                <a:cs typeface="Nimbus Sans"/>
-              </a:rPr>
-              <a:t>poder, las riquezas, ... alabanza</a:t>
-            </a:r>
-            <a:endParaRPr lang="en-US" sz="2800" b="0" strike="noStrike" spc="0">
+            <a:endParaRPr lang="es-ES" sz="5400" b="0" strike="noStrike" spc="0">
               <a:solidFill>
                 <a:srgbClr val="FFFFFF"/>
               </a:solidFill>
@@ -14653,7 +14736,7 @@
       </p:sp>
       <p:sp>
         <p:nvSpPr>
-          <p:cNvPr id="1887538457" name="PlaceHolder 2"/>
+          <p:cNvPr id="607321242" name="PlaceHolder 2"/>
           <p:cNvSpPr>
             <a:spLocks noGrp="1"/>
           </p:cNvSpPr>
@@ -14663,8 +14746,8 @@
         </p:nvSpPr>
         <p:spPr bwMode="auto">
           <a:xfrm>
-            <a:off x="503280" y="1600200"/>
-            <a:ext cx="9068760" cy="3657600"/>
+            <a:off x="503280" y="1397880"/>
+            <a:ext cx="9068760" cy="3287880"/>
           </a:xfrm>
           <a:prstGeom prst="rect">
             <a:avLst/>
@@ -14679,27 +14762,48 @@
             <a:noAutofit/>
           </a:bodyPr>
           <a:p>
-            <a:pPr>
-              <a:defRPr/>
-            </a:pPr>
-            <a:r>
-              <a:rPr lang="es-ES" sz="2800" b="0" i="1" u="none" strike="noStrike" cap="none" spc="0">
-                <a:solidFill>
-                  <a:srgbClr val="FFFFFF"/>
+            <a:pPr indent="0">
+              <a:buNone/>
+              <a:defRPr/>
+            </a:pPr>
+            <a:r>
+              <a:rPr lang="es-ES" sz="3200" b="0" i="1" u="none" strike="noStrike" cap="none" spc="0">
+                <a:solidFill>
+                  <a:schemeClr val="bg1"/>
                 </a:solidFill>
                 <a:latin typeface="Nimbus Sans"/>
                 <a:ea typeface="Nimbus Sans"/>
                 <a:cs typeface="Nimbus Sans"/>
               </a:rPr>
-              <a:t>Esta doxología registra siete cualidades intrínsecas de Dios y del Cordero que demandan nuestra exaltación.</a:t>
-            </a:r>
-            <a:endParaRPr lang="es-ES" sz="2800" b="0" i="1" u="none" strike="noStrike" cap="none" spc="0">
-              <a:solidFill>
-                <a:srgbClr val="FFFFFF"/>
-              </a:solidFill>
-              <a:latin typeface="Nimbus Sans"/>
-              <a:ea typeface="Nimbus Sans"/>
-              <a:cs typeface="Nimbus Sans"/>
+              <a:t>que decían a gran voz: El Cordero que fue inmolado es digno de tomar el </a:t>
+            </a:r>
+            <a:r>
+              <a:rPr lang="es-ES" sz="3200" b="1" i="1" u="none" strike="noStrike" cap="none" spc="0">
+                <a:solidFill>
+                  <a:srgbClr val="FFA85C"/>
+                </a:solidFill>
+                <a:latin typeface="Nimbus Sans"/>
+                <a:ea typeface="Nimbus Sans"/>
+                <a:cs typeface="Nimbus Sans"/>
+              </a:rPr>
+              <a:t>poder, las riquezas, la sabiduría, la fortaleza, la honra, la gloria y la alabanza</a:t>
+            </a:r>
+            <a:r>
+              <a:rPr lang="es-ES" sz="3200" b="0" i="1" u="none" strike="noStrike" cap="none" spc="0">
+                <a:solidFill>
+                  <a:schemeClr val="bg1"/>
+                </a:solidFill>
+                <a:latin typeface="Nimbus Sans"/>
+                <a:ea typeface="Nimbus Sans"/>
+                <a:cs typeface="Nimbus Sans"/>
+              </a:rPr>
+              <a:t>.</a:t>
+            </a:r>
+            <a:endParaRPr sz="3200" b="0" strike="noStrike" spc="0">
+              <a:solidFill>
+                <a:schemeClr val="bg1"/>
+              </a:solidFill>
+              <a:latin typeface="Nimbus Sans"/>
             </a:endParaRPr>
           </a:p>
         </p:txBody>
@@ -14747,7 +14851,7 @@
       </p:grpSpPr>
       <p:sp>
         <p:nvSpPr>
-          <p:cNvPr id="871665878" name="Marcador de contenido 2"/>
+          <p:cNvPr id="1592883533" name="Marcador de contenido 4"/>
           <p:cNvSpPr/>
           <p:nvPr/>
         </p:nvSpPr>
@@ -14776,15 +14880,6 @@
           </a:bodyPr>
           <a:p>
             <a:pPr>
-              <a:lnSpc>
-                <a:spcPct val="90000"/>
-              </a:lnSpc>
-              <a:spcBef>
-                <a:spcPts val="749"/>
-              </a:spcBef>
-              <a:tabLst>
-                <a:tab pos="0" algn="l"/>
-              </a:tabLst>
               <a:defRPr/>
             </a:pPr>
             <a:endParaRPr lang="en-US" sz="1800" b="0" strike="noStrike" spc="0">
@@ -14799,7 +14894,7 @@
       </p:sp>
       <p:sp>
         <p:nvSpPr>
-          <p:cNvPr id="2080760540" name="PlaceHolder 1"/>
+          <p:cNvPr id="668308213" name="PlaceHolder 1"/>
           <p:cNvSpPr>
             <a:spLocks noGrp="1"/>
           </p:cNvSpPr>
@@ -14809,8 +14904,8 @@
         </p:nvSpPr>
         <p:spPr bwMode="auto">
           <a:xfrm>
-            <a:off x="503280" y="369720"/>
-            <a:ext cx="9068760" cy="946440"/>
+            <a:off x="503280" y="439560"/>
+            <a:ext cx="9068760" cy="1094760"/>
           </a:xfrm>
           <a:prstGeom prst="rect">
             <a:avLst/>
@@ -14825,7 +14920,7 @@
             <a:noAutofit/>
           </a:bodyPr>
           <a:p>
-            <a:pPr indent="0" algn="ctr">
+            <a:pPr indent="0">
               <a:lnSpc>
                 <a:spcPct val="100000"/>
               </a:lnSpc>
@@ -14833,24 +14928,42 @@
               <a:defRPr/>
             </a:pPr>
             <a:r>
-              <a:rPr lang="es-ES" sz="5400" b="1" strike="noStrike" spc="0">
+              <a:rPr lang="es-ES" sz="5400" b="1" i="0" u="none" strike="noStrike" cap="none" spc="0">
                 <a:solidFill>
                   <a:srgbClr val="FFFFFF"/>
                 </a:solidFill>
                 <a:latin typeface="Nimbus Sans"/>
+                <a:ea typeface="Nimbus Sans"/>
+                <a:cs typeface="Nimbus Sans"/>
               </a:rPr>
               <a:t>Apocalípsis </a:t>
             </a:r>
             <a:r>
-              <a:rPr lang="es-ES" sz="5400" b="1" strike="noStrike" spc="0">
+              <a:rPr lang="es-ES" sz="5400" b="1" i="0" u="none" strike="noStrike" cap="none" spc="0">
                 <a:solidFill>
                   <a:srgbClr val="FFFFFF"/>
                 </a:solidFill>
                 <a:latin typeface="Nimbus Sans"/>
-              </a:rPr>
-              <a:t>5:13</a:t>
-            </a:r>
-            <a:endParaRPr lang="es-ES" sz="5400" b="0" strike="noStrike" spc="0">
+                <a:ea typeface="Nimbus Sans"/>
+                <a:cs typeface="Nimbus Sans"/>
+              </a:rPr>
+              <a:t>5:12</a:t>
+            </a:r>
+            <a:br>
+              <a:rPr sz="5400"/>
+            </a:br>
+            <a:r>
+              <a:rPr lang="es-ES" sz="2800" b="1" i="1" u="none" strike="noStrike" cap="none" spc="0">
+                <a:solidFill>
+                  <a:srgbClr val="FFA85C"/>
+                </a:solidFill>
+                <a:latin typeface="Nimbus Sans"/>
+                <a:ea typeface="Nimbus Sans"/>
+                <a:cs typeface="Nimbus Sans"/>
+              </a:rPr>
+              <a:t>poder, las riquezas, ... alabanza</a:t>
+            </a:r>
+            <a:endParaRPr lang="en-US" sz="2800" b="0" strike="noStrike" spc="0">
               <a:solidFill>
                 <a:srgbClr val="FFFFFF"/>
               </a:solidFill>
@@ -14861,7 +14974,7 @@
       </p:sp>
       <p:sp>
         <p:nvSpPr>
-          <p:cNvPr id="2145118129" name="PlaceHolder 2"/>
+          <p:cNvPr id="1887538457" name="PlaceHolder 2"/>
           <p:cNvSpPr>
             <a:spLocks noGrp="1"/>
           </p:cNvSpPr>
@@ -14871,8 +14984,8 @@
         </p:nvSpPr>
         <p:spPr bwMode="auto">
           <a:xfrm>
-            <a:off x="503280" y="1397880"/>
-            <a:ext cx="9068760" cy="3287880"/>
+            <a:off x="503280" y="1600200"/>
+            <a:ext cx="9068760" cy="3657600"/>
           </a:xfrm>
           <a:prstGeom prst="rect">
             <a:avLst/>
@@ -14887,26 +15000,27 @@
             <a:noAutofit/>
           </a:bodyPr>
           <a:p>
-            <a:pPr indent="0">
-              <a:buNone/>
-              <a:defRPr/>
-            </a:pPr>
-            <a:r>
-              <a:rPr lang="es-ES" sz="3200" b="0" i="1" u="none" strike="noStrike" cap="none" spc="0">
-                <a:solidFill>
-                  <a:schemeClr val="bg1"/>
+            <a:pPr>
+              <a:defRPr/>
+            </a:pPr>
+            <a:r>
+              <a:rPr lang="es-ES" sz="2800" b="0" i="1" u="none" strike="noStrike" cap="none" spc="0">
+                <a:solidFill>
+                  <a:srgbClr val="FFFFFF"/>
                 </a:solidFill>
                 <a:latin typeface="Nimbus Sans"/>
                 <a:ea typeface="Nimbus Sans"/>
                 <a:cs typeface="Nimbus Sans"/>
               </a:rPr>
-              <a:t>Y a todo lo creado que está en el cielo, y sobre la tierra, y debajo de la tierra, y en el mar, y a todas las cosas que en ellos hay, oí decir: Al que está sentado en el trono, y al Cordero, sea la alabanza, la honra, la gloria y el poder, por los siglos de los siglos.</a:t>
-            </a:r>
-            <a:endParaRPr sz="3200" b="0" strike="noStrike" spc="0">
-              <a:solidFill>
-                <a:schemeClr val="bg1"/>
-              </a:solidFill>
-              <a:latin typeface="Nimbus Sans"/>
+              <a:t>Esta doxología registra siete cualidades intrínsecas de Dios y del Cordero que demandan nuestra exaltación.</a:t>
+            </a:r>
+            <a:endParaRPr lang="es-ES" sz="2800" b="0" i="1" u="none" strike="noStrike" cap="none" spc="0">
+              <a:solidFill>
+                <a:srgbClr val="FFFFFF"/>
+              </a:solidFill>
+              <a:latin typeface="Nimbus Sans"/>
+              <a:ea typeface="Nimbus Sans"/>
+              <a:cs typeface="Nimbus Sans"/>
             </a:endParaRPr>
           </a:p>
         </p:txBody>
@@ -15181,6 +15295,213 @@
       </p:grpSpPr>
       <p:sp>
         <p:nvSpPr>
+          <p:cNvPr id="871665878" name="Marcador de contenido 2"/>
+          <p:cNvSpPr/>
+          <p:nvPr/>
+        </p:nvSpPr>
+        <p:spPr bwMode="auto">
+          <a:xfrm>
+            <a:off x="1127880" y="5140080"/>
+            <a:ext cx="7818120" cy="357120"/>
+          </a:xfrm>
+          <a:prstGeom prst="rect">
+            <a:avLst/>
+          </a:prstGeom>
+          <a:noFill/>
+          <a:ln w="0">
+            <a:noFill/>
+          </a:ln>
+        </p:spPr>
+        <p:style>
+          <a:lnRef idx="0"/>
+          <a:fillRef idx="0"/>
+          <a:effectRef idx="0"/>
+          <a:fontRef idx="minor"/>
+        </p:style>
+        <p:txBody>
+          <a:bodyPr lIns="109800" tIns="54720" rIns="109800" bIns="54720" anchor="ctr">
+            <a:normAutofit/>
+          </a:bodyPr>
+          <a:p>
+            <a:pPr>
+              <a:lnSpc>
+                <a:spcPct val="90000"/>
+              </a:lnSpc>
+              <a:spcBef>
+                <a:spcPts val="749"/>
+              </a:spcBef>
+              <a:tabLst>
+                <a:tab pos="0" algn="l"/>
+              </a:tabLst>
+              <a:defRPr/>
+            </a:pPr>
+            <a:endParaRPr lang="en-US" sz="1800" b="0" strike="noStrike" spc="0">
+              <a:solidFill>
+                <a:srgbClr val="000000"/>
+              </a:solidFill>
+              <a:latin typeface="Nimbus Sans"/>
+              <a:ea typeface="DejaVu Sans"/>
+            </a:endParaRPr>
+          </a:p>
+        </p:txBody>
+      </p:sp>
+      <p:sp>
+        <p:nvSpPr>
+          <p:cNvPr id="2080760540" name="PlaceHolder 1"/>
+          <p:cNvSpPr>
+            <a:spLocks noGrp="1"/>
+          </p:cNvSpPr>
+          <p:nvPr>
+            <p:ph type="title"/>
+          </p:nvPr>
+        </p:nvSpPr>
+        <p:spPr bwMode="auto">
+          <a:xfrm>
+            <a:off x="503280" y="369720"/>
+            <a:ext cx="9068760" cy="946440"/>
+          </a:xfrm>
+          <a:prstGeom prst="rect">
+            <a:avLst/>
+          </a:prstGeom>
+          <a:noFill/>
+          <a:ln w="0">
+            <a:noFill/>
+          </a:ln>
+        </p:spPr>
+        <p:txBody>
+          <a:bodyPr lIns="0" tIns="0" rIns="0" bIns="0" anchor="ctr">
+            <a:noAutofit/>
+          </a:bodyPr>
+          <a:p>
+            <a:pPr indent="0" algn="ctr">
+              <a:lnSpc>
+                <a:spcPct val="100000"/>
+              </a:lnSpc>
+              <a:buNone/>
+              <a:defRPr/>
+            </a:pPr>
+            <a:r>
+              <a:rPr lang="es-ES" sz="5400" b="1" strike="noStrike" spc="0">
+                <a:solidFill>
+                  <a:srgbClr val="FFFFFF"/>
+                </a:solidFill>
+                <a:latin typeface="Nimbus Sans"/>
+              </a:rPr>
+              <a:t>Apocalípsis </a:t>
+            </a:r>
+            <a:r>
+              <a:rPr lang="es-ES" sz="5400" b="1" strike="noStrike" spc="0">
+                <a:solidFill>
+                  <a:srgbClr val="FFFFFF"/>
+                </a:solidFill>
+                <a:latin typeface="Nimbus Sans"/>
+              </a:rPr>
+              <a:t>5:13</a:t>
+            </a:r>
+            <a:endParaRPr lang="es-ES" sz="5400" b="0" strike="noStrike" spc="0">
+              <a:solidFill>
+                <a:srgbClr val="FFFFFF"/>
+              </a:solidFill>
+              <a:latin typeface="Nimbus Sans"/>
+            </a:endParaRPr>
+          </a:p>
+        </p:txBody>
+      </p:sp>
+      <p:sp>
+        <p:nvSpPr>
+          <p:cNvPr id="2145118129" name="PlaceHolder 2"/>
+          <p:cNvSpPr>
+            <a:spLocks noGrp="1"/>
+          </p:cNvSpPr>
+          <p:nvPr>
+            <p:ph type="subTitle"/>
+          </p:nvPr>
+        </p:nvSpPr>
+        <p:spPr bwMode="auto">
+          <a:xfrm>
+            <a:off x="503280" y="1397880"/>
+            <a:ext cx="9068760" cy="3287880"/>
+          </a:xfrm>
+          <a:prstGeom prst="rect">
+            <a:avLst/>
+          </a:prstGeom>
+          <a:noFill/>
+          <a:ln w="0">
+            <a:noFill/>
+          </a:ln>
+        </p:spPr>
+        <p:txBody>
+          <a:bodyPr lIns="0" tIns="0" rIns="0" bIns="0" anchor="ctr">
+            <a:noAutofit/>
+          </a:bodyPr>
+          <a:p>
+            <a:pPr indent="0">
+              <a:buNone/>
+              <a:defRPr/>
+            </a:pPr>
+            <a:r>
+              <a:rPr lang="es-ES" sz="3200" b="0" i="1" u="none" strike="noStrike" cap="none" spc="0">
+                <a:solidFill>
+                  <a:schemeClr val="bg1"/>
+                </a:solidFill>
+                <a:latin typeface="Nimbus Sans"/>
+                <a:ea typeface="Nimbus Sans"/>
+                <a:cs typeface="Nimbus Sans"/>
+              </a:rPr>
+              <a:t>Y a todo lo creado que está en el cielo, y sobre la tierra, y debajo de la tierra, y en el mar, y a todas las cosas que en ellos hay, oí decir: Al que está sentado en el trono, y al Cordero, sea la alabanza, la honra, la gloria y el poder, por los siglos de los siglos.</a:t>
+            </a:r>
+            <a:endParaRPr sz="3200" b="0" strike="noStrike" spc="0">
+              <a:solidFill>
+                <a:schemeClr val="bg1"/>
+              </a:solidFill>
+              <a:latin typeface="Nimbus Sans"/>
+            </a:endParaRPr>
+          </a:p>
+        </p:txBody>
+      </p:sp>
+    </p:spTree>
+  </p:cSld>
+  <p:clrMapOvr>
+    <a:masterClrMapping/>
+  </p:clrMapOvr>
+  <mc:AlternateContent xmlns:mc="http://schemas.openxmlformats.org/markup-compatibility/2006">
+    <mc:Choice xmlns:p159="http://schemas.microsoft.com/office/powerpoint/2015/09/main" xmlns:p14="http://schemas.microsoft.com/office/powerpoint/2010/main" Requires="p159">
+      <p:transition p14:dur="2000" advClick="1"/>
+    </mc:Choice>
+    <mc:Fallback>
+      <p:transition advClick="1"/>
+    </mc:Fallback>
+  </mc:AlternateContent>
+</p:sld>
+</file>
+
+<file path=ppt/slides/slide31.xml><?xml version="1.0" encoding="utf-8"?>
+<p:sld xmlns:a="http://schemas.openxmlformats.org/drawingml/2006/main" xmlns:r="http://schemas.openxmlformats.org/officeDocument/2006/relationships" xmlns:p="http://schemas.openxmlformats.org/presentationml/2006/main" xmlns:m="http://schemas.openxmlformats.org/officeDocument/2006/math" xmlns:w="http://schemas.openxmlformats.org/wordprocessingml/2006/main" showMasterPhAnim="0" show="1">
+  <p:cSld name="">
+    <p:bg>
+      <p:bgPr shadeToTitle="0">
+        <a:blipFill>
+          <a:blip r:embed="rId3"/>
+          <a:stretch/>
+        </a:blipFill>
+      </p:bgPr>
+    </p:bg>
+    <p:spTree>
+      <p:nvGrpSpPr>
+        <p:cNvPr id="1" name=""/>
+        <p:cNvGrpSpPr/>
+        <p:nvPr/>
+      </p:nvGrpSpPr>
+      <p:grpSpPr bwMode="auto">
+        <a:xfrm>
+          <a:off x="0" y="0"/>
+          <a:ext cx="0" cy="0"/>
+          <a:chOff x="0" y="0"/>
+          <a:chExt cx="0" cy="0"/>
+        </a:xfrm>
+      </p:grpSpPr>
+      <p:sp>
+        <p:nvSpPr>
           <p:cNvPr id="472461674" name="Marcador de contenido 2"/>
           <p:cNvSpPr/>
           <p:nvPr/>
@@ -16335,7 +16656,7 @@
                 </a:solidFill>
                 <a:latin typeface="Nimbus Sans"/>
               </a:rPr>
-              <a:t>5:3</a:t>
+              <a:t>5:4</a:t>
             </a:r>
             <a:endParaRPr lang="es-ES" sz="5400" b="0" strike="noStrike" spc="0">
               <a:solidFill>
@@ -16378,11 +16699,23 @@
               <a:buNone/>
               <a:defRPr/>
             </a:pPr>
-            <a:endParaRPr sz="3200" b="0" strike="noStrike" spc="0">
+            <a:r>
+              <a:rPr sz="3200" b="0" i="0" u="none">
+                <a:solidFill>
+                  <a:schemeClr val="bg1"/>
+                </a:solidFill>
+                <a:latin typeface="Nimbus Sans"/>
+                <a:ea typeface="Nimbus Sans"/>
+                <a:cs typeface="Nimbus Sans"/>
+              </a:rPr>
+              <a:t>Y lloraba yo mucho, porque no se había hallado a ninguno digno de abrir el libro, ni de leerlo, ni de mirarlo.</a:t>
+            </a:r>
+            <a:endParaRPr lang="es-ES" sz="3200" b="0" i="1" u="none" strike="noStrike" cap="none" spc="0">
               <a:solidFill>
                 <a:schemeClr val="bg1"/>
               </a:solidFill>
-              <a:latin typeface="Nimbus Sans"/>
+              <a:latin typeface="Times New Roman"/>
+              <a:cs typeface="Times New Roman"/>
             </a:endParaRPr>
           </a:p>
         </p:txBody>
@@ -16430,7 +16763,7 @@
       </p:grpSpPr>
       <p:sp>
         <p:nvSpPr>
-          <p:cNvPr id="672348403" name="Marcador de contenido 4"/>
+          <p:cNvPr id="1685274648" name="Marcador de contenido 2"/>
           <p:cNvSpPr/>
           <p:nvPr/>
         </p:nvSpPr>
@@ -16459,6 +16792,15 @@
           </a:bodyPr>
           <a:p>
             <a:pPr>
+              <a:lnSpc>
+                <a:spcPct val="90000"/>
+              </a:lnSpc>
+              <a:spcBef>
+                <a:spcPts val="749"/>
+              </a:spcBef>
+              <a:tabLst>
+                <a:tab pos="0" algn="l"/>
+              </a:tabLst>
               <a:defRPr/>
             </a:pPr>
             <a:endParaRPr lang="en-US" sz="1800" b="0" strike="noStrike" spc="0">
@@ -16473,7 +16815,7 @@
       </p:sp>
       <p:sp>
         <p:nvSpPr>
-          <p:cNvPr id="1211221684" name="PlaceHolder 1"/>
+          <p:cNvPr id="1517185892" name="PlaceHolder 1"/>
           <p:cNvSpPr>
             <a:spLocks noGrp="1"/>
           </p:cNvSpPr>
@@ -16483,8 +16825,8 @@
         </p:nvSpPr>
         <p:spPr bwMode="auto">
           <a:xfrm>
-            <a:off x="503280" y="439560"/>
-            <a:ext cx="9068760" cy="1094760"/>
+            <a:off x="503280" y="369720"/>
+            <a:ext cx="9068760" cy="946440"/>
           </a:xfrm>
           <a:prstGeom prst="rect">
             <a:avLst/>
@@ -16499,7 +16841,7 @@
             <a:noAutofit/>
           </a:bodyPr>
           <a:p>
-            <a:pPr indent="0">
+            <a:pPr indent="0" algn="ctr">
               <a:lnSpc>
                 <a:spcPct val="100000"/>
               </a:lnSpc>
@@ -16507,53 +16849,24 @@
               <a:defRPr/>
             </a:pPr>
             <a:r>
-              <a:rPr lang="es-ES" sz="5400" b="1" i="0" u="none" strike="noStrike" cap="none" spc="0">
+              <a:rPr lang="es-ES" sz="5400" b="1" strike="noStrike" spc="0">
                 <a:solidFill>
                   <a:srgbClr val="FFFFFF"/>
                 </a:solidFill>
                 <a:latin typeface="Nimbus Sans"/>
-                <a:ea typeface="Nimbus Sans"/>
-                <a:cs typeface="Nimbus Sans"/>
               </a:rPr>
               <a:t>Apocalípsis </a:t>
             </a:r>
             <a:r>
-              <a:rPr lang="es-ES" sz="5400" b="1" i="0" u="none" strike="noStrike" cap="none" spc="0">
+              <a:rPr lang="es-ES" sz="5400" b="1" strike="noStrike" spc="0">
                 <a:solidFill>
                   <a:srgbClr val="FFFFFF"/>
                 </a:solidFill>
                 <a:latin typeface="Nimbus Sans"/>
-                <a:ea typeface="Nimbus Sans"/>
-                <a:cs typeface="Nimbus Sans"/>
-              </a:rPr>
-              <a:t>5:1</a:t>
-            </a:r>
-            <a:br>
-              <a:rPr sz="5400"/>
-            </a:br>
-            <a:r>
-              <a:rPr lang="es-ES" sz="2800" b="1" i="1" u="none" strike="noStrike" cap="none" spc="0">
-                <a:solidFill>
-                  <a:srgbClr val="FFA85C"/>
-                </a:solidFill>
-                <a:latin typeface="Nimbus Sans"/>
-                <a:ea typeface="Nimbus Sans"/>
-                <a:cs typeface="Nimbus Sans"/>
-              </a:rPr>
-              <a:t>escrito por dentro y por fuera</a:t>
-            </a:r>
-            <a:r>
-              <a:rPr lang="es-ES" sz="2800" b="0" i="1" u="none" strike="noStrike" cap="none" spc="0">
-                <a:solidFill>
-                  <a:srgbClr val="FFA85C"/>
-                </a:solidFill>
-                <a:latin typeface="Nimbus Sans"/>
-                <a:ea typeface="Nimbus Sans"/>
-                <a:cs typeface="Nimbus Sans"/>
-              </a:rPr>
-              <a:t> </a:t>
-            </a:r>
-            <a:endParaRPr lang="en-US" sz="2800" b="0" strike="noStrike" spc="0">
+              </a:rPr>
+              <a:t>5:5</a:t>
+            </a:r>
+            <a:endParaRPr lang="es-ES" sz="5400" b="0" strike="noStrike" spc="0">
               <a:solidFill>
                 <a:srgbClr val="FFFFFF"/>
               </a:solidFill>
@@ -16564,7 +16877,7 @@
       </p:sp>
       <p:sp>
         <p:nvSpPr>
-          <p:cNvPr id="623930978" name="PlaceHolder 2"/>
+          <p:cNvPr id="1224010403" name="PlaceHolder 2"/>
           <p:cNvSpPr>
             <a:spLocks noGrp="1"/>
           </p:cNvSpPr>
@@ -16574,8 +16887,8 @@
         </p:nvSpPr>
         <p:spPr bwMode="auto">
           <a:xfrm>
-            <a:off x="503280" y="1600200"/>
-            <a:ext cx="9068760" cy="3657600"/>
+            <a:off x="503280" y="1397880"/>
+            <a:ext cx="9068760" cy="3287880"/>
           </a:xfrm>
           <a:prstGeom prst="rect">
             <a:avLst/>
@@ -16590,52 +16903,69 @@
             <a:noAutofit/>
           </a:bodyPr>
           <a:p>
-            <a:pPr indent="0">
-              <a:buNone/>
-              <a:defRPr/>
-            </a:pPr>
-            <a:r>
-              <a:rPr lang="es-ES" sz="2800" b="0" i="1" u="none" strike="noStrike" cap="none" spc="0">
-                <a:solidFill>
-                  <a:srgbClr val="FFFFFF"/>
+            <a:pPr>
+              <a:defRPr/>
+            </a:pPr>
+            <a:r>
+              <a:rPr sz="3200" b="0" i="0" u="none">
+                <a:solidFill>
+                  <a:schemeClr val="bg1"/>
                 </a:solidFill>
                 <a:latin typeface="Nimbus Sans"/>
                 <a:ea typeface="Nimbus Sans"/>
                 <a:cs typeface="Nimbus Sans"/>
               </a:rPr>
-              <a:t>Esto es típico de diversos tipos de contratos en el mundo antiguo como títulos de propiedad, actas matrimoniales, acuerdos de arrendamiento, préstamos y testamentos. </a:t>
-            </a:r>
-            <a:endParaRPr lang="es-ES" sz="2800" b="0" i="1" u="none" strike="noStrike" cap="none" spc="0">
-              <a:solidFill>
-                <a:srgbClr val="FFFFFF"/>
-              </a:solidFill>
-              <a:latin typeface="Nimbus Sans"/>
-              <a:ea typeface="Nimbus Sans"/>
-              <a:cs typeface="Nimbus Sans"/>
-            </a:endParaRPr>
-          </a:p>
-          <a:p>
-            <a:pPr indent="0">
-              <a:buNone/>
-              <a:defRPr/>
-            </a:pPr>
-            <a:r>
-              <a:rPr lang="es-ES" sz="2800" b="0" i="1" u="none" strike="noStrike" cap="none" spc="0">
-                <a:solidFill>
-                  <a:srgbClr val="FFFFFF"/>
+              <a:t>Y uno de los ancianos me dijo: No llores. He aquí que el </a:t>
+            </a:r>
+            <a:r>
+              <a:rPr sz="3200" b="1" i="0" u="none">
+                <a:solidFill>
+                  <a:srgbClr val="FFA85C"/>
                 </a:solidFill>
                 <a:latin typeface="Nimbus Sans"/>
                 <a:ea typeface="Nimbus Sans"/>
                 <a:cs typeface="Nimbus Sans"/>
               </a:rPr>
-              <a:t>Por dentro, el rollo contenía todos los detalles del contrato y por fuera o en la parte de atrás, un resumen del documento en caracteres más grandes. En este caso se trataba de un título de propiedad, la propiedad de Dios sobre toda la tierra [Jer 32:7</a:t>
-            </a:r>
-            <a:endParaRPr lang="es-ES" sz="2800" b="0" i="1" u="none" strike="noStrike" cap="none" spc="0">
-              <a:solidFill>
-                <a:srgbClr val="FFFFFF"/>
-              </a:solidFill>
-              <a:latin typeface="Nimbus Sans"/>
-              <a:ea typeface="Nimbus Sans"/>
+              <a:t>León de la tribu de Judá</a:t>
+            </a:r>
+            <a:r>
+              <a:rPr sz="3200" b="0" i="0" u="none">
+                <a:solidFill>
+                  <a:schemeClr val="bg1"/>
+                </a:solidFill>
+                <a:latin typeface="Nimbus Sans"/>
+                <a:ea typeface="Nimbus Sans"/>
+                <a:cs typeface="Nimbus Sans"/>
+              </a:rPr>
+              <a:t>, </a:t>
+            </a:r>
+            <a:r>
+              <a:rPr sz="3200" b="1" i="0" u="none">
+                <a:solidFill>
+                  <a:srgbClr val="FFA85C"/>
+                </a:solidFill>
+                <a:latin typeface="Nimbus Sans"/>
+                <a:ea typeface="Nimbus Sans"/>
+                <a:cs typeface="Nimbus Sans"/>
+              </a:rPr>
+              <a:t>la raíz de David</a:t>
+            </a:r>
+            <a:r>
+              <a:rPr sz="3200" b="0" i="0" u="none">
+                <a:solidFill>
+                  <a:schemeClr val="bg1"/>
+                </a:solidFill>
+                <a:latin typeface="Nimbus Sans"/>
+                <a:ea typeface="Nimbus Sans"/>
+                <a:cs typeface="Nimbus Sans"/>
+              </a:rPr>
+              <a:t>, ha vencido para abrir el libro y desatar sus siete sellos.</a:t>
+            </a:r>
+            <a:endParaRPr sz="3200">
+              <a:solidFill>
+                <a:schemeClr val="bg1"/>
+              </a:solidFill>
+              <a:latin typeface="Nimbus Sans"/>
               <a:cs typeface="Nimbus Sans"/>
             </a:endParaRPr>
           </a:p>
